--- a/ML Final Project.pptx
+++ b/ML Final Project.pptx
@@ -264,7 +264,7 @@
           <a:p>
             <a:fld id="{61174080-B380-4958-8C86-8BA6CC5E10A7}" type="datetimeFigureOut">
               <a:rPr lang="en-IL" smtClean="0"/>
-              <a:t>27/03/2023</a:t>
+              <a:t>31/03/2023</a:t>
             </a:fld>
             <a:endParaRPr lang="en-IL"/>
           </a:p>
@@ -464,7 +464,7 @@
           <a:p>
             <a:fld id="{61174080-B380-4958-8C86-8BA6CC5E10A7}" type="datetimeFigureOut">
               <a:rPr lang="en-IL" smtClean="0"/>
-              <a:t>27/03/2023</a:t>
+              <a:t>31/03/2023</a:t>
             </a:fld>
             <a:endParaRPr lang="en-IL"/>
           </a:p>
@@ -674,7 +674,7 @@
           <a:p>
             <a:fld id="{61174080-B380-4958-8C86-8BA6CC5E10A7}" type="datetimeFigureOut">
               <a:rPr lang="en-IL" smtClean="0"/>
-              <a:t>27/03/2023</a:t>
+              <a:t>31/03/2023</a:t>
             </a:fld>
             <a:endParaRPr lang="en-IL"/>
           </a:p>
@@ -874,7 +874,7 @@
           <a:p>
             <a:fld id="{61174080-B380-4958-8C86-8BA6CC5E10A7}" type="datetimeFigureOut">
               <a:rPr lang="en-IL" smtClean="0"/>
-              <a:t>27/03/2023</a:t>
+              <a:t>31/03/2023</a:t>
             </a:fld>
             <a:endParaRPr lang="en-IL"/>
           </a:p>
@@ -1150,7 +1150,7 @@
           <a:p>
             <a:fld id="{61174080-B380-4958-8C86-8BA6CC5E10A7}" type="datetimeFigureOut">
               <a:rPr lang="en-IL" smtClean="0"/>
-              <a:t>27/03/2023</a:t>
+              <a:t>31/03/2023</a:t>
             </a:fld>
             <a:endParaRPr lang="en-IL"/>
           </a:p>
@@ -1418,7 +1418,7 @@
           <a:p>
             <a:fld id="{61174080-B380-4958-8C86-8BA6CC5E10A7}" type="datetimeFigureOut">
               <a:rPr lang="en-IL" smtClean="0"/>
-              <a:t>27/03/2023</a:t>
+              <a:t>31/03/2023</a:t>
             </a:fld>
             <a:endParaRPr lang="en-IL"/>
           </a:p>
@@ -1833,7 +1833,7 @@
           <a:p>
             <a:fld id="{61174080-B380-4958-8C86-8BA6CC5E10A7}" type="datetimeFigureOut">
               <a:rPr lang="en-IL" smtClean="0"/>
-              <a:t>27/03/2023</a:t>
+              <a:t>31/03/2023</a:t>
             </a:fld>
             <a:endParaRPr lang="en-IL"/>
           </a:p>
@@ -1975,7 +1975,7 @@
           <a:p>
             <a:fld id="{61174080-B380-4958-8C86-8BA6CC5E10A7}" type="datetimeFigureOut">
               <a:rPr lang="en-IL" smtClean="0"/>
-              <a:t>27/03/2023</a:t>
+              <a:t>31/03/2023</a:t>
             </a:fld>
             <a:endParaRPr lang="en-IL"/>
           </a:p>
@@ -2088,7 +2088,7 @@
           <a:p>
             <a:fld id="{61174080-B380-4958-8C86-8BA6CC5E10A7}" type="datetimeFigureOut">
               <a:rPr lang="en-IL" smtClean="0"/>
-              <a:t>27/03/2023</a:t>
+              <a:t>31/03/2023</a:t>
             </a:fld>
             <a:endParaRPr lang="en-IL"/>
           </a:p>
@@ -2401,7 +2401,7 @@
           <a:p>
             <a:fld id="{61174080-B380-4958-8C86-8BA6CC5E10A7}" type="datetimeFigureOut">
               <a:rPr lang="en-IL" smtClean="0"/>
-              <a:t>27/03/2023</a:t>
+              <a:t>31/03/2023</a:t>
             </a:fld>
             <a:endParaRPr lang="en-IL"/>
           </a:p>
@@ -2690,7 +2690,7 @@
           <a:p>
             <a:fld id="{61174080-B380-4958-8C86-8BA6CC5E10A7}" type="datetimeFigureOut">
               <a:rPr lang="en-IL" smtClean="0"/>
-              <a:t>27/03/2023</a:t>
+              <a:t>31/03/2023</a:t>
             </a:fld>
             <a:endParaRPr lang="en-IL"/>
           </a:p>
@@ -2933,7 +2933,7 @@
           <a:p>
             <a:fld id="{61174080-B380-4958-8C86-8BA6CC5E10A7}" type="datetimeFigureOut">
               <a:rPr lang="en-IL" smtClean="0"/>
-              <a:t>27/03/2023</a:t>
+              <a:t>31/03/2023</a:t>
             </a:fld>
             <a:endParaRPr lang="en-IL"/>
           </a:p>
@@ -3400,8 +3400,8 @@
         </p:nvSpPr>
         <p:spPr>
           <a:xfrm>
-            <a:off x="5601810" y="2867487"/>
-            <a:ext cx="3986073" cy="1200329"/>
+            <a:off x="3684234" y="2867487"/>
+            <a:ext cx="5903650" cy="923330"/>
           </a:xfrm>
           <a:prstGeom prst="rect">
             <a:avLst/>
@@ -3416,13 +3416,18 @@
           <a:p>
             <a:r>
               <a:rPr lang="he-IL" dirty="0"/>
-              <a:t>להעיף ערכים שהם אפס – אם יש יותר מדי להעיף עמודה</a:t>
-            </a:r>
+              <a:t>לבדוק ערכים ולהעיף כאלה שרחוקים מהממוצע – צריך להחליט על </a:t>
+            </a:r>
+            <a:r>
+              <a:rPr lang="en-US" dirty="0" err="1"/>
+              <a:t>treshold</a:t>
+            </a:r>
+            <a:endParaRPr lang="he-IL" dirty="0"/>
           </a:p>
           <a:p>
             <a:r>
               <a:rPr lang="he-IL" dirty="0"/>
-              <a:t>לבדוק ערכים ולהעיף כאלה שרחוקים מהממוצע</a:t>
+              <a:t>לשמור את הממוצעים במערך כלשהו (אולי במילון)</a:t>
             </a:r>
             <a:endParaRPr lang="en-IL" dirty="0"/>
           </a:p>
@@ -3676,8 +3681,8 @@
         </p:nvSpPr>
         <p:spPr>
           <a:xfrm>
-            <a:off x="4731798" y="3178206"/>
-            <a:ext cx="2752078" cy="646331"/>
+            <a:off x="3343922" y="3195962"/>
+            <a:ext cx="2752078" cy="1754326"/>
           </a:xfrm>
           <a:prstGeom prst="rect">
             <a:avLst/>
@@ -3692,7 +3697,13 @@
           <a:p>
             <a:r>
               <a:rPr lang="he-IL" dirty="0"/>
-              <a:t>להוריד עמודות לא רלוונטיות?</a:t>
+              <a:t>להוריד עמודות לא רלוונטיות – לפי הממוצע, כלומר אם יש יותר מ75 אחוז למשל אז להוריד את העמודה</a:t>
+            </a:r>
+          </a:p>
+          <a:p>
+            <a:r>
+              <a:rPr lang="he-IL" dirty="0"/>
+              <a:t>להוריד עמודה של הריונות – מוטה?</a:t>
             </a:r>
             <a:endParaRPr lang="en-IL" dirty="0"/>
           </a:p>

--- a/ML Final Project.pptx
+++ b/ML Final Project.pptx
@@ -3386,53 +3386,6 @@
           </a:p>
         </p:txBody>
       </p:sp>
-      <p:sp>
-        <p:nvSpPr>
-          <p:cNvPr id="2" name="TextBox 1">
-            <a:extLst>
-              <a:ext uri="{FF2B5EF4-FFF2-40B4-BE49-F238E27FC236}">
-                <a16:creationId xmlns:a16="http://schemas.microsoft.com/office/drawing/2014/main" id="{6836206A-659D-5AA9-D118-893582AC79B1}"/>
-              </a:ext>
-            </a:extLst>
-          </p:cNvPr>
-          <p:cNvSpPr txBox="1"/>
-          <p:nvPr/>
-        </p:nvSpPr>
-        <p:spPr>
-          <a:xfrm>
-            <a:off x="3684234" y="2867487"/>
-            <a:ext cx="5903650" cy="923330"/>
-          </a:xfrm>
-          <a:prstGeom prst="rect">
-            <a:avLst/>
-          </a:prstGeom>
-          <a:noFill/>
-        </p:spPr>
-        <p:txBody>
-          <a:bodyPr wrap="square" rtlCol="0">
-            <a:spAutoFit/>
-          </a:bodyPr>
-          <a:lstStyle/>
-          <a:p>
-            <a:r>
-              <a:rPr lang="he-IL" dirty="0"/>
-              <a:t>לבדוק ערכים ולהעיף כאלה שרחוקים מהממוצע – צריך להחליט על </a:t>
-            </a:r>
-            <a:r>
-              <a:rPr lang="en-US" dirty="0" err="1"/>
-              <a:t>treshold</a:t>
-            </a:r>
-            <a:endParaRPr lang="he-IL" dirty="0"/>
-          </a:p>
-          <a:p>
-            <a:r>
-              <a:rPr lang="he-IL" dirty="0"/>
-              <a:t>לשמור את הממוצעים במערך כלשהו (אולי במילון)</a:t>
-            </a:r>
-            <a:endParaRPr lang="en-IL" dirty="0"/>
-          </a:p>
-        </p:txBody>
-      </p:sp>
     </p:spTree>
     <p:extLst>
       <p:ext uri="{BB962C8B-B14F-4D97-AF65-F5344CB8AC3E}">

--- a/ML Final Project.pptx
+++ b/ML Final Project.pptx
@@ -5,10 +5,12 @@
     <p:sldMasterId id="2147483648" r:id="rId1"/>
   </p:sldMasterIdLst>
   <p:sldIdLst>
-    <p:sldId id="256" r:id="rId2"/>
-    <p:sldId id="257" r:id="rId3"/>
-    <p:sldId id="258" r:id="rId4"/>
-    <p:sldId id="259" r:id="rId5"/>
+    <p:sldId id="260" r:id="rId2"/>
+    <p:sldId id="261" r:id="rId3"/>
+    <p:sldId id="256" r:id="rId4"/>
+    <p:sldId id="257" r:id="rId5"/>
+    <p:sldId id="258" r:id="rId6"/>
+    <p:sldId id="259" r:id="rId7"/>
   </p:sldIdLst>
   <p:sldSz cx="12192000" cy="6858000"/>
   <p:notesSz cx="6858000" cy="9144000"/>
@@ -264,7 +266,7 @@
           <a:p>
             <a:fld id="{61174080-B380-4958-8C86-8BA6CC5E10A7}" type="datetimeFigureOut">
               <a:rPr lang="en-IL" smtClean="0"/>
-              <a:t>31/03/2023</a:t>
+              <a:t>03/04/2023</a:t>
             </a:fld>
             <a:endParaRPr lang="en-IL"/>
           </a:p>
@@ -464,7 +466,7 @@
           <a:p>
             <a:fld id="{61174080-B380-4958-8C86-8BA6CC5E10A7}" type="datetimeFigureOut">
               <a:rPr lang="en-IL" smtClean="0"/>
-              <a:t>31/03/2023</a:t>
+              <a:t>03/04/2023</a:t>
             </a:fld>
             <a:endParaRPr lang="en-IL"/>
           </a:p>
@@ -674,7 +676,7 @@
           <a:p>
             <a:fld id="{61174080-B380-4958-8C86-8BA6CC5E10A7}" type="datetimeFigureOut">
               <a:rPr lang="en-IL" smtClean="0"/>
-              <a:t>31/03/2023</a:t>
+              <a:t>03/04/2023</a:t>
             </a:fld>
             <a:endParaRPr lang="en-IL"/>
           </a:p>
@@ -874,7 +876,7 @@
           <a:p>
             <a:fld id="{61174080-B380-4958-8C86-8BA6CC5E10A7}" type="datetimeFigureOut">
               <a:rPr lang="en-IL" smtClean="0"/>
-              <a:t>31/03/2023</a:t>
+              <a:t>03/04/2023</a:t>
             </a:fld>
             <a:endParaRPr lang="en-IL"/>
           </a:p>
@@ -1150,7 +1152,7 @@
           <a:p>
             <a:fld id="{61174080-B380-4958-8C86-8BA6CC5E10A7}" type="datetimeFigureOut">
               <a:rPr lang="en-IL" smtClean="0"/>
-              <a:t>31/03/2023</a:t>
+              <a:t>03/04/2023</a:t>
             </a:fld>
             <a:endParaRPr lang="en-IL"/>
           </a:p>
@@ -1418,7 +1420,7 @@
           <a:p>
             <a:fld id="{61174080-B380-4958-8C86-8BA6CC5E10A7}" type="datetimeFigureOut">
               <a:rPr lang="en-IL" smtClean="0"/>
-              <a:t>31/03/2023</a:t>
+              <a:t>03/04/2023</a:t>
             </a:fld>
             <a:endParaRPr lang="en-IL"/>
           </a:p>
@@ -1833,7 +1835,7 @@
           <a:p>
             <a:fld id="{61174080-B380-4958-8C86-8BA6CC5E10A7}" type="datetimeFigureOut">
               <a:rPr lang="en-IL" smtClean="0"/>
-              <a:t>31/03/2023</a:t>
+              <a:t>03/04/2023</a:t>
             </a:fld>
             <a:endParaRPr lang="en-IL"/>
           </a:p>
@@ -1975,7 +1977,7 @@
           <a:p>
             <a:fld id="{61174080-B380-4958-8C86-8BA6CC5E10A7}" type="datetimeFigureOut">
               <a:rPr lang="en-IL" smtClean="0"/>
-              <a:t>31/03/2023</a:t>
+              <a:t>03/04/2023</a:t>
             </a:fld>
             <a:endParaRPr lang="en-IL"/>
           </a:p>
@@ -2088,7 +2090,7 @@
           <a:p>
             <a:fld id="{61174080-B380-4958-8C86-8BA6CC5E10A7}" type="datetimeFigureOut">
               <a:rPr lang="en-IL" smtClean="0"/>
-              <a:t>31/03/2023</a:t>
+              <a:t>03/04/2023</a:t>
             </a:fld>
             <a:endParaRPr lang="en-IL"/>
           </a:p>
@@ -2401,7 +2403,7 @@
           <a:p>
             <a:fld id="{61174080-B380-4958-8C86-8BA6CC5E10A7}" type="datetimeFigureOut">
               <a:rPr lang="en-IL" smtClean="0"/>
-              <a:t>31/03/2023</a:t>
+              <a:t>03/04/2023</a:t>
             </a:fld>
             <a:endParaRPr lang="en-IL"/>
           </a:p>
@@ -2690,7 +2692,7 @@
           <a:p>
             <a:fld id="{61174080-B380-4958-8C86-8BA6CC5E10A7}" type="datetimeFigureOut">
               <a:rPr lang="en-IL" smtClean="0"/>
-              <a:t>31/03/2023</a:t>
+              <a:t>03/04/2023</a:t>
             </a:fld>
             <a:endParaRPr lang="en-IL"/>
           </a:p>
@@ -2933,7 +2935,7 @@
           <a:p>
             <a:fld id="{61174080-B380-4958-8C86-8BA6CC5E10A7}" type="datetimeFigureOut">
               <a:rPr lang="en-IL" smtClean="0"/>
-              <a:t>31/03/2023</a:t>
+              <a:t>03/04/2023</a:t>
             </a:fld>
             <a:endParaRPr lang="en-IL"/>
           </a:p>
@@ -3355,7 +3357,7 @@
           <p:cNvPr id="4" name="TextBox 3">
             <a:extLst>
               <a:ext uri="{FF2B5EF4-FFF2-40B4-BE49-F238E27FC236}">
-                <a16:creationId xmlns:a16="http://schemas.microsoft.com/office/drawing/2014/main" id="{3B1C56D7-4BC8-DD0C-FDDD-3FF4E72F2502}"/>
+                <a16:creationId xmlns:a16="http://schemas.microsoft.com/office/drawing/2014/main" id="{364A8A82-A7C9-93EE-3DD3-4B3E32AF9163}"/>
               </a:ext>
             </a:extLst>
           </p:cNvPr>
@@ -3364,8 +3366,8 @@
         </p:nvSpPr>
         <p:spPr>
           <a:xfrm>
-            <a:off x="2457450" y="1752600"/>
-            <a:ext cx="5191125" cy="369332"/>
+            <a:off x="4607511" y="1047565"/>
+            <a:ext cx="2157274" cy="369332"/>
           </a:xfrm>
           <a:prstGeom prst="rect">
             <a:avLst/>
@@ -3378,9 +3380,79 @@
           </a:bodyPr>
           <a:lstStyle/>
           <a:p>
-            <a:r>
-              <a:rPr lang="en-US" dirty="0"/>
-              <a:t>Prepare the data</a:t>
+            <a:pPr algn="r" rtl="1"/>
+            <a:r>
+              <a:rPr lang="he-IL" dirty="0"/>
+              <a:t>פרויקט 13 - סכרת</a:t>
+            </a:r>
+            <a:endParaRPr lang="en-IL" dirty="0"/>
+          </a:p>
+        </p:txBody>
+      </p:sp>
+      <p:sp>
+        <p:nvSpPr>
+          <p:cNvPr id="5" name="TextBox 4">
+            <a:extLst>
+              <a:ext uri="{FF2B5EF4-FFF2-40B4-BE49-F238E27FC236}">
+                <a16:creationId xmlns:a16="http://schemas.microsoft.com/office/drawing/2014/main" id="{A8EBAC47-F567-BD24-C6AF-2F5DA04BE98E}"/>
+              </a:ext>
+            </a:extLst>
+          </p:cNvPr>
+          <p:cNvSpPr txBox="1"/>
+          <p:nvPr/>
+        </p:nvSpPr>
+        <p:spPr>
+          <a:xfrm>
+            <a:off x="3444536" y="3009530"/>
+            <a:ext cx="3977196" cy="1754326"/>
+          </a:xfrm>
+          <a:prstGeom prst="rect">
+            <a:avLst/>
+          </a:prstGeom>
+          <a:noFill/>
+        </p:spPr>
+        <p:txBody>
+          <a:bodyPr wrap="square" rtlCol="0">
+            <a:spAutoFit/>
+          </a:bodyPr>
+          <a:lstStyle/>
+          <a:p>
+            <a:pPr algn="r" rtl="1"/>
+            <a:r>
+              <a:rPr lang="he-IL" dirty="0"/>
+              <a:t>מגישים:</a:t>
+            </a:r>
+          </a:p>
+          <a:p>
+            <a:pPr algn="r" rtl="1"/>
+            <a:endParaRPr lang="he-IL" dirty="0"/>
+          </a:p>
+          <a:p>
+            <a:pPr algn="r" rtl="1"/>
+            <a:r>
+              <a:rPr lang="he-IL" dirty="0"/>
+              <a:t>יואל אבקסיס</a:t>
+            </a:r>
+          </a:p>
+          <a:p>
+            <a:pPr algn="r" rtl="1"/>
+            <a:r>
+              <a:rPr lang="he-IL" dirty="0"/>
+              <a:t>אביב אלדד</a:t>
+            </a:r>
+          </a:p>
+          <a:p>
+            <a:pPr algn="r" rtl="1"/>
+            <a:r>
+              <a:rPr lang="he-IL" dirty="0"/>
+              <a:t>נבון סהלו</a:t>
+            </a:r>
+          </a:p>
+          <a:p>
+            <a:pPr algn="r" rtl="1"/>
+            <a:r>
+              <a:rPr lang="he-IL" dirty="0"/>
+              <a:t>אלחנן ששון</a:t>
             </a:r>
             <a:endParaRPr lang="en-IL" dirty="0"/>
           </a:p>
@@ -3389,7 +3461,7 @@
     </p:spTree>
     <p:extLst>
       <p:ext uri="{BB962C8B-B14F-4D97-AF65-F5344CB8AC3E}">
-        <p14:creationId xmlns:p14="http://schemas.microsoft.com/office/powerpoint/2010/main" val="2218032313"/>
+        <p14:creationId xmlns:p14="http://schemas.microsoft.com/office/powerpoint/2010/main" val="224442569"/>
       </p:ext>
     </p:extLst>
   </p:cSld>
@@ -3418,10 +3490,10 @@
       </p:grpSpPr>
       <p:sp>
         <p:nvSpPr>
-          <p:cNvPr id="4" name="TextBox 3">
-            <a:extLst>
-              <a:ext uri="{FF2B5EF4-FFF2-40B4-BE49-F238E27FC236}">
-                <a16:creationId xmlns:a16="http://schemas.microsoft.com/office/drawing/2014/main" id="{3B1C56D7-4BC8-DD0C-FDDD-3FF4E72F2502}"/>
+          <p:cNvPr id="7" name="TextBox 6">
+            <a:extLst>
+              <a:ext uri="{FF2B5EF4-FFF2-40B4-BE49-F238E27FC236}">
+                <a16:creationId xmlns:a16="http://schemas.microsoft.com/office/drawing/2014/main" id="{ABC3F783-D872-AE43-D274-9BC1DE17A92A}"/>
               </a:ext>
             </a:extLst>
           </p:cNvPr>
@@ -3430,8 +3502,8 @@
         </p:nvSpPr>
         <p:spPr>
           <a:xfrm>
-            <a:off x="2457450" y="1752600"/>
-            <a:ext cx="5191125" cy="369332"/>
+            <a:off x="3047260" y="3108054"/>
+            <a:ext cx="6094520" cy="1200329"/>
           </a:xfrm>
           <a:prstGeom prst="rect">
             <a:avLst/>
@@ -3439,114 +3511,74 @@
           <a:noFill/>
         </p:spPr>
         <p:txBody>
-          <a:bodyPr wrap="square" rtlCol="0">
+          <a:bodyPr wrap="square">
             <a:spAutoFit/>
           </a:bodyPr>
           <a:lstStyle/>
           <a:p>
-            <a:r>
-              <a:rPr lang="en-US" dirty="0"/>
-              <a:t>Algorithms results</a:t>
-            </a:r>
-            <a:endParaRPr lang="en-IL" dirty="0"/>
-          </a:p>
-        </p:txBody>
-      </p:sp>
-      <p:sp>
-        <p:nvSpPr>
-          <p:cNvPr id="2" name="TextBox 1">
-            <a:extLst>
-              <a:ext uri="{FF2B5EF4-FFF2-40B4-BE49-F238E27FC236}">
-                <a16:creationId xmlns:a16="http://schemas.microsoft.com/office/drawing/2014/main" id="{830EC098-37FA-3B74-B462-EC7662FB96F1}"/>
-              </a:ext>
-            </a:extLst>
-          </p:cNvPr>
-          <p:cNvSpPr txBox="1"/>
-          <p:nvPr/>
-        </p:nvSpPr>
-        <p:spPr>
-          <a:xfrm>
-            <a:off x="4314548" y="656948"/>
-            <a:ext cx="5761607" cy="923330"/>
-          </a:xfrm>
-          <a:prstGeom prst="rect">
-            <a:avLst/>
-          </a:prstGeom>
-          <a:noFill/>
-        </p:spPr>
-        <p:txBody>
-          <a:bodyPr wrap="square" rtlCol="0">
-            <a:spAutoFit/>
-          </a:bodyPr>
-          <a:lstStyle/>
-          <a:p>
-            <a:pPr marL="342900" indent="-342900">
-              <a:buAutoNum type="arabicPeriod"/>
-            </a:pPr>
-            <a:r>
-              <a:rPr lang="en-US" dirty="0"/>
-              <a:t>We didn’t use k-means because it’s an unsupervised </a:t>
-            </a:r>
-          </a:p>
-          <a:p>
-            <a:pPr marL="342900" indent="-342900">
-              <a:buAutoNum type="arabicPeriod"/>
-            </a:pPr>
-            <a:r>
-              <a:rPr lang="en-US" dirty="0"/>
-              <a:t>We used </a:t>
-            </a:r>
-            <a:r>
-              <a:rPr lang="en-US" dirty="0" err="1"/>
-              <a:t>MLPClassifier</a:t>
-            </a:r>
-            <a:r>
-              <a:rPr lang="en-US" dirty="0"/>
-              <a:t> in neural network and not </a:t>
-            </a:r>
-            <a:r>
-              <a:rPr lang="en-US" dirty="0" err="1"/>
-              <a:t>MLPRegressor</a:t>
-            </a:r>
-            <a:r>
-              <a:rPr lang="en-US" dirty="0"/>
-              <a:t> because it’s a classification problem</a:t>
-            </a:r>
-            <a:endParaRPr lang="en-IL" dirty="0"/>
-          </a:p>
-        </p:txBody>
-      </p:sp>
-      <p:sp>
-        <p:nvSpPr>
-          <p:cNvPr id="3" name="TextBox 2">
-            <a:extLst>
-              <a:ext uri="{FF2B5EF4-FFF2-40B4-BE49-F238E27FC236}">
-                <a16:creationId xmlns:a16="http://schemas.microsoft.com/office/drawing/2014/main" id="{464D391C-B481-51C3-6B06-0C52546B8915}"/>
-              </a:ext>
-            </a:extLst>
-          </p:cNvPr>
-          <p:cNvSpPr txBox="1"/>
-          <p:nvPr/>
-        </p:nvSpPr>
-        <p:spPr>
-          <a:xfrm>
-            <a:off x="2032986" y="3773010"/>
-            <a:ext cx="3657600" cy="646331"/>
-          </a:xfrm>
-          <a:prstGeom prst="rect">
-            <a:avLst/>
-          </a:prstGeom>
-          <a:noFill/>
-        </p:spPr>
-        <p:txBody>
-          <a:bodyPr wrap="square" rtlCol="0">
-            <a:spAutoFit/>
-          </a:bodyPr>
-          <a:lstStyle/>
-          <a:p>
+            <a:pPr algn="r" rtl="1"/>
             <a:r>
               <a:rPr lang="he-IL" dirty="0"/>
-              <a:t>לבדוק שכל מה ששמנו נכון (מבחינת טריין וטסט)</a:t>
+              <a:t>סֻכֶּרֶת היא מחלה מטבולית המתאפיינת בריכוז גבוה של גלוקוז בדם.</a:t>
+            </a:r>
+          </a:p>
+          <a:p>
+            <a:pPr algn="r" rtl="1"/>
+            <a:r>
+              <a:rPr lang="he-IL" dirty="0"/>
+              <a:t>המטרה: לחזות האם לחולה  נתון יש סכרת</a:t>
+            </a:r>
+          </a:p>
+          <a:p>
+            <a:pPr algn="r" rtl="1"/>
+            <a:r>
+              <a:rPr lang="he-IL" dirty="0"/>
+              <a:t>הנתונים: </a:t>
+            </a:r>
+            <a:r>
+              <a:rPr lang="he-IL" sz="1800" dirty="0">
+                <a:effectLst/>
+                <a:latin typeface="Calibri" panose="020F0502020204030204" pitchFamily="34" charset="0"/>
+                <a:ea typeface="Calibri" panose="020F0502020204030204" pitchFamily="34" charset="0"/>
+                <a:cs typeface="Arial" panose="020B0604020202020204" pitchFamily="34" charset="0"/>
+              </a:rPr>
+              <a:t>מדידות הקשורות להריונות, גלוקוז, לחץ דם, עובי העור, אינסולין</a:t>
+            </a:r>
+            <a:r>
+              <a:rPr lang="en-US" sz="1800" dirty="0">
+                <a:effectLst/>
+                <a:latin typeface="Calibri" panose="020F0502020204030204" pitchFamily="34" charset="0"/>
+                <a:ea typeface="Calibri" panose="020F0502020204030204" pitchFamily="34" charset="0"/>
+                <a:cs typeface="Arial" panose="020B0604020202020204" pitchFamily="34" charset="0"/>
+              </a:rPr>
+              <a:t>, BMI, </a:t>
+            </a:r>
+            <a:r>
+              <a:rPr lang="en-US" sz="1800" dirty="0" err="1">
+                <a:effectLst/>
+                <a:latin typeface="Calibri" panose="020F0502020204030204" pitchFamily="34" charset="0"/>
+                <a:ea typeface="Calibri" panose="020F0502020204030204" pitchFamily="34" charset="0"/>
+                <a:cs typeface="Arial" panose="020B0604020202020204" pitchFamily="34" charset="0"/>
+              </a:rPr>
+              <a:t>DiabetesPedigree</a:t>
+            </a:r>
+            <a:r>
+              <a:rPr lang="en-US" sz="1800" dirty="0">
+                <a:effectLst/>
+                <a:latin typeface="Calibri" panose="020F0502020204030204" pitchFamily="34" charset="0"/>
+                <a:ea typeface="Calibri" panose="020F0502020204030204" pitchFamily="34" charset="0"/>
+                <a:cs typeface="Arial" panose="020B0604020202020204" pitchFamily="34" charset="0"/>
+              </a:rPr>
+              <a:t> Function </a:t>
+            </a:r>
+            <a:r>
+              <a:rPr lang="he-IL" sz="1800" dirty="0">
+                <a:effectLst/>
+                <a:latin typeface="Calibri" panose="020F0502020204030204" pitchFamily="34" charset="0"/>
+                <a:ea typeface="Calibri" panose="020F0502020204030204" pitchFamily="34" charset="0"/>
+                <a:cs typeface="Arial" panose="020B0604020202020204" pitchFamily="34" charset="0"/>
+              </a:rPr>
+              <a:t>וגיל</a:t>
             </a:r>
             <a:endParaRPr lang="en-IL" dirty="0"/>
           </a:p>
@@ -3555,7 +3587,7 @@
     </p:spTree>
     <p:extLst>
       <p:ext uri="{BB962C8B-B14F-4D97-AF65-F5344CB8AC3E}">
-        <p14:creationId xmlns:p14="http://schemas.microsoft.com/office/powerpoint/2010/main" val="3035582779"/>
+        <p14:creationId xmlns:p14="http://schemas.microsoft.com/office/powerpoint/2010/main" val="442462666"/>
       </p:ext>
     </p:extLst>
   </p:cSld>
@@ -3611,6 +3643,238 @@
           <a:lstStyle/>
           <a:p>
             <a:r>
+              <a:rPr lang="en-US" dirty="0"/>
+              <a:t>Prepare the data</a:t>
+            </a:r>
+            <a:endParaRPr lang="en-IL" dirty="0"/>
+          </a:p>
+        </p:txBody>
+      </p:sp>
+    </p:spTree>
+    <p:extLst>
+      <p:ext uri="{BB962C8B-B14F-4D97-AF65-F5344CB8AC3E}">
+        <p14:creationId xmlns:p14="http://schemas.microsoft.com/office/powerpoint/2010/main" val="2218032313"/>
+      </p:ext>
+    </p:extLst>
+  </p:cSld>
+  <p:clrMapOvr>
+    <a:masterClrMapping/>
+  </p:clrMapOvr>
+</p:sld>
+</file>
+
+<file path=ppt/slides/slide4.xml><?xml version="1.0" encoding="utf-8"?>
+<p:sld xmlns:a="http://schemas.openxmlformats.org/drawingml/2006/main" xmlns:r="http://schemas.openxmlformats.org/officeDocument/2006/relationships" xmlns:p="http://schemas.openxmlformats.org/presentationml/2006/main">
+  <p:cSld>
+    <p:spTree>
+      <p:nvGrpSpPr>
+        <p:cNvPr id="1" name=""/>
+        <p:cNvGrpSpPr/>
+        <p:nvPr/>
+      </p:nvGrpSpPr>
+      <p:grpSpPr>
+        <a:xfrm>
+          <a:off x="0" y="0"/>
+          <a:ext cx="0" cy="0"/>
+          <a:chOff x="0" y="0"/>
+          <a:chExt cx="0" cy="0"/>
+        </a:xfrm>
+      </p:grpSpPr>
+      <p:sp>
+        <p:nvSpPr>
+          <p:cNvPr id="4" name="TextBox 3">
+            <a:extLst>
+              <a:ext uri="{FF2B5EF4-FFF2-40B4-BE49-F238E27FC236}">
+                <a16:creationId xmlns:a16="http://schemas.microsoft.com/office/drawing/2014/main" id="{3B1C56D7-4BC8-DD0C-FDDD-3FF4E72F2502}"/>
+              </a:ext>
+            </a:extLst>
+          </p:cNvPr>
+          <p:cNvSpPr txBox="1"/>
+          <p:nvPr/>
+        </p:nvSpPr>
+        <p:spPr>
+          <a:xfrm>
+            <a:off x="2457450" y="1752600"/>
+            <a:ext cx="5191125" cy="369332"/>
+          </a:xfrm>
+          <a:prstGeom prst="rect">
+            <a:avLst/>
+          </a:prstGeom>
+          <a:noFill/>
+        </p:spPr>
+        <p:txBody>
+          <a:bodyPr wrap="square" rtlCol="0">
+            <a:spAutoFit/>
+          </a:bodyPr>
+          <a:lstStyle/>
+          <a:p>
+            <a:r>
+              <a:rPr lang="en-US" dirty="0"/>
+              <a:t>Algorithms results</a:t>
+            </a:r>
+            <a:endParaRPr lang="en-IL" dirty="0"/>
+          </a:p>
+        </p:txBody>
+      </p:sp>
+      <p:sp>
+        <p:nvSpPr>
+          <p:cNvPr id="2" name="TextBox 1">
+            <a:extLst>
+              <a:ext uri="{FF2B5EF4-FFF2-40B4-BE49-F238E27FC236}">
+                <a16:creationId xmlns:a16="http://schemas.microsoft.com/office/drawing/2014/main" id="{830EC098-37FA-3B74-B462-EC7662FB96F1}"/>
+              </a:ext>
+            </a:extLst>
+          </p:cNvPr>
+          <p:cNvSpPr txBox="1"/>
+          <p:nvPr/>
+        </p:nvSpPr>
+        <p:spPr>
+          <a:xfrm>
+            <a:off x="4314548" y="656948"/>
+            <a:ext cx="5761607" cy="923330"/>
+          </a:xfrm>
+          <a:prstGeom prst="rect">
+            <a:avLst/>
+          </a:prstGeom>
+          <a:noFill/>
+        </p:spPr>
+        <p:txBody>
+          <a:bodyPr wrap="square" rtlCol="0">
+            <a:spAutoFit/>
+          </a:bodyPr>
+          <a:lstStyle/>
+          <a:p>
+            <a:pPr marL="342900" indent="-342900">
+              <a:buAutoNum type="arabicPeriod"/>
+            </a:pPr>
+            <a:r>
+              <a:rPr lang="en-US" dirty="0"/>
+              <a:t>We didn’t use k-means because it’s an unsupervised </a:t>
+            </a:r>
+          </a:p>
+          <a:p>
+            <a:pPr marL="342900" indent="-342900">
+              <a:buAutoNum type="arabicPeriod"/>
+            </a:pPr>
+            <a:r>
+              <a:rPr lang="en-US" dirty="0"/>
+              <a:t>We used </a:t>
+            </a:r>
+            <a:r>
+              <a:rPr lang="en-US" dirty="0" err="1"/>
+              <a:t>MLPClassifier</a:t>
+            </a:r>
+            <a:r>
+              <a:rPr lang="en-US" dirty="0"/>
+              <a:t> in neural network and not </a:t>
+            </a:r>
+            <a:r>
+              <a:rPr lang="en-US" dirty="0" err="1"/>
+              <a:t>MLPRegressor</a:t>
+            </a:r>
+            <a:r>
+              <a:rPr lang="en-US" dirty="0"/>
+              <a:t> because it’s a classification problem</a:t>
+            </a:r>
+            <a:endParaRPr lang="en-IL" dirty="0"/>
+          </a:p>
+        </p:txBody>
+      </p:sp>
+      <p:sp>
+        <p:nvSpPr>
+          <p:cNvPr id="3" name="TextBox 2">
+            <a:extLst>
+              <a:ext uri="{FF2B5EF4-FFF2-40B4-BE49-F238E27FC236}">
+                <a16:creationId xmlns:a16="http://schemas.microsoft.com/office/drawing/2014/main" id="{464D391C-B481-51C3-6B06-0C52546B8915}"/>
+              </a:ext>
+            </a:extLst>
+          </p:cNvPr>
+          <p:cNvSpPr txBox="1"/>
+          <p:nvPr/>
+        </p:nvSpPr>
+        <p:spPr>
+          <a:xfrm>
+            <a:off x="2032986" y="3773010"/>
+            <a:ext cx="3657600" cy="646331"/>
+          </a:xfrm>
+          <a:prstGeom prst="rect">
+            <a:avLst/>
+          </a:prstGeom>
+          <a:noFill/>
+        </p:spPr>
+        <p:txBody>
+          <a:bodyPr wrap="square" rtlCol="0">
+            <a:spAutoFit/>
+          </a:bodyPr>
+          <a:lstStyle/>
+          <a:p>
+            <a:r>
+              <a:rPr lang="he-IL" dirty="0"/>
+              <a:t>לבדוק שכל מה ששמנו נכון (מבחינת טריין וטסט)</a:t>
+            </a:r>
+            <a:endParaRPr lang="en-IL" dirty="0"/>
+          </a:p>
+        </p:txBody>
+      </p:sp>
+    </p:spTree>
+    <p:extLst>
+      <p:ext uri="{BB962C8B-B14F-4D97-AF65-F5344CB8AC3E}">
+        <p14:creationId xmlns:p14="http://schemas.microsoft.com/office/powerpoint/2010/main" val="3035582779"/>
+      </p:ext>
+    </p:extLst>
+  </p:cSld>
+  <p:clrMapOvr>
+    <a:masterClrMapping/>
+  </p:clrMapOvr>
+</p:sld>
+</file>
+
+<file path=ppt/slides/slide5.xml><?xml version="1.0" encoding="utf-8"?>
+<p:sld xmlns:a="http://schemas.openxmlformats.org/drawingml/2006/main" xmlns:r="http://schemas.openxmlformats.org/officeDocument/2006/relationships" xmlns:p="http://schemas.openxmlformats.org/presentationml/2006/main">
+  <p:cSld>
+    <p:spTree>
+      <p:nvGrpSpPr>
+        <p:cNvPr id="1" name=""/>
+        <p:cNvGrpSpPr/>
+        <p:nvPr/>
+      </p:nvGrpSpPr>
+      <p:grpSpPr>
+        <a:xfrm>
+          <a:off x="0" y="0"/>
+          <a:ext cx="0" cy="0"/>
+          <a:chOff x="0" y="0"/>
+          <a:chExt cx="0" cy="0"/>
+        </a:xfrm>
+      </p:grpSpPr>
+      <p:sp>
+        <p:nvSpPr>
+          <p:cNvPr id="4" name="TextBox 3">
+            <a:extLst>
+              <a:ext uri="{FF2B5EF4-FFF2-40B4-BE49-F238E27FC236}">
+                <a16:creationId xmlns:a16="http://schemas.microsoft.com/office/drawing/2014/main" id="{3B1C56D7-4BC8-DD0C-FDDD-3FF4E72F2502}"/>
+              </a:ext>
+            </a:extLst>
+          </p:cNvPr>
+          <p:cNvSpPr txBox="1"/>
+          <p:nvPr/>
+        </p:nvSpPr>
+        <p:spPr>
+          <a:xfrm>
+            <a:off x="2457450" y="1752600"/>
+            <a:ext cx="5191125" cy="369332"/>
+          </a:xfrm>
+          <a:prstGeom prst="rect">
+            <a:avLst/>
+          </a:prstGeom>
+          <a:noFill/>
+        </p:spPr>
+        <p:txBody>
+          <a:bodyPr wrap="square" rtlCol="0">
+            <a:spAutoFit/>
+          </a:bodyPr>
+          <a:lstStyle/>
+          <a:p>
+            <a:r>
               <a:rPr lang="en-US" sz="1800" b="0" i="0" u="none" strike="noStrike" baseline="0" dirty="0">
                 <a:latin typeface="CIDFont+F4"/>
               </a:rPr>
@@ -3722,7 +3986,7 @@
 </p:sld>
 </file>
 
-<file path=ppt/slides/slide4.xml><?xml version="1.0" encoding="utf-8"?>
+<file path=ppt/slides/slide6.xml><?xml version="1.0" encoding="utf-8"?>
 <p:sld xmlns:a="http://schemas.openxmlformats.org/drawingml/2006/main" xmlns:r="http://schemas.openxmlformats.org/officeDocument/2006/relationships" xmlns:p="http://schemas.openxmlformats.org/presentationml/2006/main">
   <p:cSld>
     <p:spTree>

--- a/ML Final Project.pptx
+++ b/ML Final Project.pptx
@@ -8,9 +8,11 @@
     <p:sldId id="260" r:id="rId2"/>
     <p:sldId id="261" r:id="rId3"/>
     <p:sldId id="256" r:id="rId4"/>
-    <p:sldId id="257" r:id="rId5"/>
-    <p:sldId id="258" r:id="rId6"/>
-    <p:sldId id="259" r:id="rId7"/>
+    <p:sldId id="262" r:id="rId5"/>
+    <p:sldId id="263" r:id="rId6"/>
+    <p:sldId id="257" r:id="rId7"/>
+    <p:sldId id="258" r:id="rId8"/>
+    <p:sldId id="259" r:id="rId9"/>
   </p:sldIdLst>
   <p:sldSz cx="12192000" cy="6858000"/>
   <p:notesSz cx="6858000" cy="9144000"/>
@@ -266,7 +268,7 @@
           <a:p>
             <a:fld id="{61174080-B380-4958-8C86-8BA6CC5E10A7}" type="datetimeFigureOut">
               <a:rPr lang="en-IL" smtClean="0"/>
-              <a:t>03/04/2023</a:t>
+              <a:t>04/10/2023</a:t>
             </a:fld>
             <a:endParaRPr lang="en-IL"/>
           </a:p>
@@ -466,7 +468,7 @@
           <a:p>
             <a:fld id="{61174080-B380-4958-8C86-8BA6CC5E10A7}" type="datetimeFigureOut">
               <a:rPr lang="en-IL" smtClean="0"/>
-              <a:t>03/04/2023</a:t>
+              <a:t>04/10/2023</a:t>
             </a:fld>
             <a:endParaRPr lang="en-IL"/>
           </a:p>
@@ -676,7 +678,7 @@
           <a:p>
             <a:fld id="{61174080-B380-4958-8C86-8BA6CC5E10A7}" type="datetimeFigureOut">
               <a:rPr lang="en-IL" smtClean="0"/>
-              <a:t>03/04/2023</a:t>
+              <a:t>04/10/2023</a:t>
             </a:fld>
             <a:endParaRPr lang="en-IL"/>
           </a:p>
@@ -876,7 +878,7 @@
           <a:p>
             <a:fld id="{61174080-B380-4958-8C86-8BA6CC5E10A7}" type="datetimeFigureOut">
               <a:rPr lang="en-IL" smtClean="0"/>
-              <a:t>03/04/2023</a:t>
+              <a:t>04/10/2023</a:t>
             </a:fld>
             <a:endParaRPr lang="en-IL"/>
           </a:p>
@@ -1152,7 +1154,7 @@
           <a:p>
             <a:fld id="{61174080-B380-4958-8C86-8BA6CC5E10A7}" type="datetimeFigureOut">
               <a:rPr lang="en-IL" smtClean="0"/>
-              <a:t>03/04/2023</a:t>
+              <a:t>04/10/2023</a:t>
             </a:fld>
             <a:endParaRPr lang="en-IL"/>
           </a:p>
@@ -1420,7 +1422,7 @@
           <a:p>
             <a:fld id="{61174080-B380-4958-8C86-8BA6CC5E10A7}" type="datetimeFigureOut">
               <a:rPr lang="en-IL" smtClean="0"/>
-              <a:t>03/04/2023</a:t>
+              <a:t>04/10/2023</a:t>
             </a:fld>
             <a:endParaRPr lang="en-IL"/>
           </a:p>
@@ -1835,7 +1837,7 @@
           <a:p>
             <a:fld id="{61174080-B380-4958-8C86-8BA6CC5E10A7}" type="datetimeFigureOut">
               <a:rPr lang="en-IL" smtClean="0"/>
-              <a:t>03/04/2023</a:t>
+              <a:t>04/10/2023</a:t>
             </a:fld>
             <a:endParaRPr lang="en-IL"/>
           </a:p>
@@ -1977,7 +1979,7 @@
           <a:p>
             <a:fld id="{61174080-B380-4958-8C86-8BA6CC5E10A7}" type="datetimeFigureOut">
               <a:rPr lang="en-IL" smtClean="0"/>
-              <a:t>03/04/2023</a:t>
+              <a:t>04/10/2023</a:t>
             </a:fld>
             <a:endParaRPr lang="en-IL"/>
           </a:p>
@@ -2090,7 +2092,7 @@
           <a:p>
             <a:fld id="{61174080-B380-4958-8C86-8BA6CC5E10A7}" type="datetimeFigureOut">
               <a:rPr lang="en-IL" smtClean="0"/>
-              <a:t>03/04/2023</a:t>
+              <a:t>04/10/2023</a:t>
             </a:fld>
             <a:endParaRPr lang="en-IL"/>
           </a:p>
@@ -2403,7 +2405,7 @@
           <a:p>
             <a:fld id="{61174080-B380-4958-8C86-8BA6CC5E10A7}" type="datetimeFigureOut">
               <a:rPr lang="en-IL" smtClean="0"/>
-              <a:t>03/04/2023</a:t>
+              <a:t>04/10/2023</a:t>
             </a:fld>
             <a:endParaRPr lang="en-IL"/>
           </a:p>
@@ -2692,7 +2694,7 @@
           <a:p>
             <a:fld id="{61174080-B380-4958-8C86-8BA6CC5E10A7}" type="datetimeFigureOut">
               <a:rPr lang="en-IL" smtClean="0"/>
-              <a:t>03/04/2023</a:t>
+              <a:t>04/10/2023</a:t>
             </a:fld>
             <a:endParaRPr lang="en-IL"/>
           </a:p>
@@ -2935,7 +2937,7 @@
           <a:p>
             <a:fld id="{61174080-B380-4958-8C86-8BA6CC5E10A7}" type="datetimeFigureOut">
               <a:rPr lang="en-IL" smtClean="0"/>
-              <a:t>03/04/2023</a:t>
+              <a:t>04/10/2023</a:t>
             </a:fld>
             <a:endParaRPr lang="en-IL"/>
           </a:p>
@@ -3526,7 +3528,7 @@
             <a:pPr algn="r" rtl="1"/>
             <a:r>
               <a:rPr lang="he-IL" dirty="0"/>
-              <a:t>המטרה: לחזות האם לחולה  נתון יש סכרת</a:t>
+              <a:t>המטרה: לחזות האם לחולה נתון יש סכרת</a:t>
             </a:r>
           </a:p>
           <a:p>
@@ -3614,12 +3616,48 @@
           <a:chExt cx="0" cy="0"/>
         </a:xfrm>
       </p:grpSpPr>
-      <p:sp>
-        <p:nvSpPr>
-          <p:cNvPr id="4" name="TextBox 3">
-            <a:extLst>
-              <a:ext uri="{FF2B5EF4-FFF2-40B4-BE49-F238E27FC236}">
-                <a16:creationId xmlns:a16="http://schemas.microsoft.com/office/drawing/2014/main" id="{3B1C56D7-4BC8-DD0C-FDDD-3FF4E72F2502}"/>
+      <p:pic>
+        <p:nvPicPr>
+          <p:cNvPr id="3" name="Picture 2" descr="A picture containing chart">
+            <a:extLst>
+              <a:ext uri="{FF2B5EF4-FFF2-40B4-BE49-F238E27FC236}">
+                <a16:creationId xmlns:a16="http://schemas.microsoft.com/office/drawing/2014/main" id="{17AA3D8E-87B3-1CD1-FE17-02F336D37D61}"/>
+              </a:ext>
+            </a:extLst>
+          </p:cNvPr>
+          <p:cNvPicPr>
+            <a:picLocks noChangeAspect="1"/>
+          </p:cNvPicPr>
+          <p:nvPr/>
+        </p:nvPicPr>
+        <p:blipFill>
+          <a:blip r:embed="rId2">
+            <a:extLst>
+              <a:ext uri="{28A0092B-C50C-407E-A947-70E740481C1C}">
+                <a14:useLocalDpi xmlns:a14="http://schemas.microsoft.com/office/drawing/2010/main" val="0"/>
+              </a:ext>
+            </a:extLst>
+          </a:blip>
+          <a:stretch>
+            <a:fillRect/>
+          </a:stretch>
+        </p:blipFill>
+        <p:spPr>
+          <a:xfrm>
+            <a:off x="0" y="654844"/>
+            <a:ext cx="12192000" cy="6203156"/>
+          </a:xfrm>
+          <a:prstGeom prst="rect">
+            <a:avLst/>
+          </a:prstGeom>
+        </p:spPr>
+      </p:pic>
+      <p:sp>
+        <p:nvSpPr>
+          <p:cNvPr id="5" name="TextBox 4">
+            <a:extLst>
+              <a:ext uri="{FF2B5EF4-FFF2-40B4-BE49-F238E27FC236}">
+                <a16:creationId xmlns:a16="http://schemas.microsoft.com/office/drawing/2014/main" id="{3A5AF38A-E77A-3524-E80C-E06F5FAFCD15}"/>
               </a:ext>
             </a:extLst>
           </p:cNvPr>
@@ -3628,8 +3666,8 @@
         </p:nvSpPr>
         <p:spPr>
           <a:xfrm>
-            <a:off x="2457450" y="1752600"/>
-            <a:ext cx="5191125" cy="369332"/>
+            <a:off x="4584612" y="346841"/>
+            <a:ext cx="2235420" cy="369332"/>
           </a:xfrm>
           <a:prstGeom prst="rect">
             <a:avLst/>
@@ -3637,16 +3675,82 @@
           <a:noFill/>
         </p:spPr>
         <p:txBody>
-          <a:bodyPr wrap="square" rtlCol="0">
+          <a:bodyPr wrap="none" rtlCol="1">
             <a:spAutoFit/>
           </a:bodyPr>
           <a:lstStyle/>
           <a:p>
             <a:r>
-              <a:rPr lang="en-US" dirty="0"/>
-              <a:t>Prepare the data</a:t>
-            </a:r>
-            <a:endParaRPr lang="en-IL" dirty="0"/>
+              <a:rPr lang="en-US" u="sng" dirty="0"/>
+              <a:t>Raw Data Distribution</a:t>
+            </a:r>
+          </a:p>
+        </p:txBody>
+      </p:sp>
+      <p:sp>
+        <p:nvSpPr>
+          <p:cNvPr id="6" name="TextBox 5">
+            <a:extLst>
+              <a:ext uri="{FF2B5EF4-FFF2-40B4-BE49-F238E27FC236}">
+                <a16:creationId xmlns:a16="http://schemas.microsoft.com/office/drawing/2014/main" id="{B90781C8-9FA8-3AAD-0D88-A1F09E7FBA04}"/>
+              </a:ext>
+            </a:extLst>
+          </p:cNvPr>
+          <p:cNvSpPr txBox="1"/>
+          <p:nvPr/>
+        </p:nvSpPr>
+        <p:spPr>
+          <a:xfrm>
+            <a:off x="1437815" y="716173"/>
+            <a:ext cx="9553903" cy="923330"/>
+          </a:xfrm>
+          <a:prstGeom prst="rect">
+            <a:avLst/>
+          </a:prstGeom>
+          <a:noFill/>
+        </p:spPr>
+        <p:txBody>
+          <a:bodyPr wrap="square" rtlCol="1">
+            <a:spAutoFit/>
+          </a:bodyPr>
+          <a:lstStyle/>
+          <a:p>
+            <a:pPr algn="r" rtl="1"/>
+            <a:r>
+              <a:rPr lang="he-IL" sz="1200" dirty="0"/>
+              <a:t>ניתן לראות כי עבור הפיצ'רים השונים ישנם ערכים לא תקינים, כמו למשל רמת אינסולין, לחץ דם ועובי עור 0 או </a:t>
+            </a:r>
+            <a:r>
+              <a:rPr lang="en-US" sz="1200" dirty="0"/>
+              <a:t>outliers</a:t>
+            </a:r>
+            <a:r>
+              <a:rPr lang="he-IL" sz="1200" dirty="0"/>
+              <a:t> כמו </a:t>
+            </a:r>
+            <a:r>
+              <a:rPr lang="en-US" sz="1200" dirty="0"/>
+              <a:t>BMI &gt; 40</a:t>
+            </a:r>
+            <a:r>
+              <a:rPr lang="he-IL" sz="1200" dirty="0"/>
+              <a:t>. במקרים כאלו אפשר לבחור להוריד את הנדגמים בעלי הערכים הבעייתיים ממאגר הנתונים, אך מכיוון שכאן מדובר בכמות משמעותית של נדגמים, בחרנו להחליף את הערכים</a:t>
+            </a:r>
+            <a:r>
+              <a:rPr lang="en-US" sz="1200" dirty="0"/>
+              <a:t> </a:t>
+            </a:r>
+            <a:r>
+              <a:rPr lang="he-IL" sz="1200" dirty="0"/>
+              <a:t>הבעייתיים בערך הממוצע (בניקוי הבעייתיים).</a:t>
+            </a:r>
+          </a:p>
+          <a:p>
+            <a:pPr algn="r" rtl="1"/>
+            <a:r>
+              <a:rPr lang="he-IL" dirty="0"/>
+              <a:t> </a:t>
+            </a:r>
           </a:p>
         </p:txBody>
       </p:sp>
@@ -3680,12 +3784,48 @@
           <a:chExt cx="0" cy="0"/>
         </a:xfrm>
       </p:grpSpPr>
-      <p:sp>
-        <p:nvSpPr>
-          <p:cNvPr id="4" name="TextBox 3">
-            <a:extLst>
-              <a:ext uri="{FF2B5EF4-FFF2-40B4-BE49-F238E27FC236}">
-                <a16:creationId xmlns:a16="http://schemas.microsoft.com/office/drawing/2014/main" id="{3B1C56D7-4BC8-DD0C-FDDD-3FF4E72F2502}"/>
+      <p:pic>
+        <p:nvPicPr>
+          <p:cNvPr id="5" name="Picture 4" descr="Diagram&#10;&#10;Description automatically generated">
+            <a:extLst>
+              <a:ext uri="{FF2B5EF4-FFF2-40B4-BE49-F238E27FC236}">
+                <a16:creationId xmlns:a16="http://schemas.microsoft.com/office/drawing/2014/main" id="{C4CDA680-0042-F971-C835-7F3F5C372B12}"/>
+              </a:ext>
+            </a:extLst>
+          </p:cNvPr>
+          <p:cNvPicPr>
+            <a:picLocks noChangeAspect="1"/>
+          </p:cNvPicPr>
+          <p:nvPr/>
+        </p:nvPicPr>
+        <p:blipFill>
+          <a:blip r:embed="rId2">
+            <a:extLst>
+              <a:ext uri="{28A0092B-C50C-407E-A947-70E740481C1C}">
+                <a14:useLocalDpi xmlns:a14="http://schemas.microsoft.com/office/drawing/2010/main" val="0"/>
+              </a:ext>
+            </a:extLst>
+          </a:blip>
+          <a:stretch>
+            <a:fillRect/>
+          </a:stretch>
+        </p:blipFill>
+        <p:spPr>
+          <a:xfrm>
+            <a:off x="0" y="654844"/>
+            <a:ext cx="12192000" cy="6203156"/>
+          </a:xfrm>
+          <a:prstGeom prst="rect">
+            <a:avLst/>
+          </a:prstGeom>
+        </p:spPr>
+      </p:pic>
+      <p:sp>
+        <p:nvSpPr>
+          <p:cNvPr id="6" name="TextBox 5">
+            <a:extLst>
+              <a:ext uri="{FF2B5EF4-FFF2-40B4-BE49-F238E27FC236}">
+                <a16:creationId xmlns:a16="http://schemas.microsoft.com/office/drawing/2014/main" id="{66A776C4-86A2-4BAC-6095-AE016ADE3BCD}"/>
               </a:ext>
             </a:extLst>
           </p:cNvPr>
@@ -3694,8 +3834,8 @@
         </p:nvSpPr>
         <p:spPr>
           <a:xfrm>
-            <a:off x="2457450" y="1752600"/>
-            <a:ext cx="5191125" cy="369332"/>
+            <a:off x="4584612" y="346841"/>
+            <a:ext cx="2597699" cy="369332"/>
           </a:xfrm>
           <a:prstGeom prst="rect">
             <a:avLst/>
@@ -3703,25 +3843,24 @@
           <a:noFill/>
         </p:spPr>
         <p:txBody>
-          <a:bodyPr wrap="square" rtlCol="0">
+          <a:bodyPr wrap="none" rtlCol="1">
             <a:spAutoFit/>
           </a:bodyPr>
           <a:lstStyle/>
           <a:p>
             <a:r>
-              <a:rPr lang="en-US" dirty="0"/>
-              <a:t>Algorithms results</a:t>
-            </a:r>
-            <a:endParaRPr lang="en-IL" dirty="0"/>
-          </a:p>
-        </p:txBody>
-      </p:sp>
-      <p:sp>
-        <p:nvSpPr>
-          <p:cNvPr id="2" name="TextBox 1">
-            <a:extLst>
-              <a:ext uri="{FF2B5EF4-FFF2-40B4-BE49-F238E27FC236}">
-                <a16:creationId xmlns:a16="http://schemas.microsoft.com/office/drawing/2014/main" id="{830EC098-37FA-3B74-B462-EC7662FB96F1}"/>
+              <a:rPr lang="en-US" u="sng" dirty="0"/>
+              <a:t>Cleaned Data Distribution</a:t>
+            </a:r>
+          </a:p>
+        </p:txBody>
+      </p:sp>
+      <p:sp>
+        <p:nvSpPr>
+          <p:cNvPr id="7" name="TextBox 6">
+            <a:extLst>
+              <a:ext uri="{FF2B5EF4-FFF2-40B4-BE49-F238E27FC236}">
+                <a16:creationId xmlns:a16="http://schemas.microsoft.com/office/drawing/2014/main" id="{C19B240E-C227-C065-FECB-B84B1CECD7A9}"/>
               </a:ext>
             </a:extLst>
           </p:cNvPr>
@@ -3730,8 +3869,8 @@
         </p:nvSpPr>
         <p:spPr>
           <a:xfrm>
-            <a:off x="4314548" y="656948"/>
-            <a:ext cx="5761607" cy="923330"/>
+            <a:off x="1437815" y="716173"/>
+            <a:ext cx="9553903" cy="738664"/>
           </a:xfrm>
           <a:prstGeom prst="rect">
             <a:avLst/>
@@ -3739,87 +3878,46 @@
           <a:noFill/>
         </p:spPr>
         <p:txBody>
-          <a:bodyPr wrap="square" rtlCol="0">
+          <a:bodyPr wrap="square" rtlCol="1">
             <a:spAutoFit/>
           </a:bodyPr>
           <a:lstStyle/>
           <a:p>
-            <a:pPr marL="342900" indent="-342900">
-              <a:buAutoNum type="arabicPeriod"/>
-            </a:pPr>
-            <a:r>
-              <a:rPr lang="en-US" dirty="0"/>
-              <a:t>We didn’t use k-means because it’s an unsupervised </a:t>
-            </a:r>
-          </a:p>
-          <a:p>
-            <a:pPr marL="342900" indent="-342900">
-              <a:buAutoNum type="arabicPeriod"/>
-            </a:pPr>
-            <a:r>
-              <a:rPr lang="en-US" dirty="0"/>
-              <a:t>We used </a:t>
-            </a:r>
-            <a:r>
-              <a:rPr lang="en-US" dirty="0" err="1"/>
-              <a:t>MLPClassifier</a:t>
-            </a:r>
-            <a:r>
-              <a:rPr lang="en-US" dirty="0"/>
-              <a:t> in neural network and not </a:t>
-            </a:r>
-            <a:r>
-              <a:rPr lang="en-US" dirty="0" err="1"/>
-              <a:t>MLPRegressor</a:t>
-            </a:r>
-            <a:r>
-              <a:rPr lang="en-US" dirty="0"/>
-              <a:t> because it’s a classification problem</a:t>
-            </a:r>
-            <a:endParaRPr lang="en-IL" dirty="0"/>
-          </a:p>
-        </p:txBody>
-      </p:sp>
-      <p:sp>
-        <p:nvSpPr>
-          <p:cNvPr id="3" name="TextBox 2">
-            <a:extLst>
-              <a:ext uri="{FF2B5EF4-FFF2-40B4-BE49-F238E27FC236}">
-                <a16:creationId xmlns:a16="http://schemas.microsoft.com/office/drawing/2014/main" id="{464D391C-B481-51C3-6B06-0C52546B8915}"/>
-              </a:ext>
-            </a:extLst>
-          </p:cNvPr>
-          <p:cNvSpPr txBox="1"/>
-          <p:nvPr/>
-        </p:nvSpPr>
-        <p:spPr>
-          <a:xfrm>
-            <a:off x="2032986" y="3773010"/>
-            <a:ext cx="3657600" cy="646331"/>
-          </a:xfrm>
-          <a:prstGeom prst="rect">
-            <a:avLst/>
-          </a:prstGeom>
-          <a:noFill/>
-        </p:spPr>
-        <p:txBody>
-          <a:bodyPr wrap="square" rtlCol="0">
-            <a:spAutoFit/>
-          </a:bodyPr>
-          <a:lstStyle/>
-          <a:p>
+            <a:pPr algn="r" rtl="1"/>
+            <a:r>
+              <a:rPr lang="he-IL" sz="1200" dirty="0"/>
+              <a:t>לאחר הניקוי ניתן לראות שכל הערכים הקיימים תקינים לוגית, שצמצמנו את כמות ה </a:t>
+            </a:r>
+            <a:r>
+              <a:rPr lang="en-US" sz="1200" dirty="0"/>
+              <a:t>Outliers</a:t>
+            </a:r>
+            <a:r>
+              <a:rPr lang="he-IL" sz="1200" dirty="0"/>
+              <a:t> ב </a:t>
+            </a:r>
+            <a:r>
+              <a:rPr lang="en-US" sz="1200" dirty="0"/>
+              <a:t>BMI</a:t>
+            </a:r>
+            <a:r>
+              <a:rPr lang="he-IL" sz="1200" dirty="0"/>
+              <a:t> ושהמדדים שניתן היה לצפות שיציגו התפלגות נורמלית באמת מציגים התפלגות כזו.</a:t>
+            </a:r>
+          </a:p>
+          <a:p>
+            <a:pPr algn="r" rtl="1"/>
             <a:r>
               <a:rPr lang="he-IL" dirty="0"/>
-              <a:t>לבדוק שכל מה ששמנו נכון (מבחינת טריין וטסט)</a:t>
-            </a:r>
-            <a:endParaRPr lang="en-IL" dirty="0"/>
+              <a:t> </a:t>
+            </a:r>
           </a:p>
         </p:txBody>
       </p:sp>
     </p:spTree>
     <p:extLst>
       <p:ext uri="{BB962C8B-B14F-4D97-AF65-F5344CB8AC3E}">
-        <p14:creationId xmlns:p14="http://schemas.microsoft.com/office/powerpoint/2010/main" val="3035582779"/>
+        <p14:creationId xmlns:p14="http://schemas.microsoft.com/office/powerpoint/2010/main" val="1365003671"/>
       </p:ext>
     </p:extLst>
   </p:cSld>
@@ -3846,6 +3944,344 @@
           <a:chExt cx="0" cy="0"/>
         </a:xfrm>
       </p:grpSpPr>
+      <p:pic>
+        <p:nvPicPr>
+          <p:cNvPr id="3" name="Picture 2" descr="Chart, histogram&#10;&#10;Description automatically generated">
+            <a:extLst>
+              <a:ext uri="{FF2B5EF4-FFF2-40B4-BE49-F238E27FC236}">
+                <a16:creationId xmlns:a16="http://schemas.microsoft.com/office/drawing/2014/main" id="{B30AD9F2-CB94-1035-BFD2-D611126B0A68}"/>
+              </a:ext>
+            </a:extLst>
+          </p:cNvPr>
+          <p:cNvPicPr>
+            <a:picLocks noChangeAspect="1"/>
+          </p:cNvPicPr>
+          <p:nvPr/>
+        </p:nvPicPr>
+        <p:blipFill>
+          <a:blip r:embed="rId2">
+            <a:extLst>
+              <a:ext uri="{28A0092B-C50C-407E-A947-70E740481C1C}">
+                <a14:useLocalDpi xmlns:a14="http://schemas.microsoft.com/office/drawing/2010/main" val="0"/>
+              </a:ext>
+            </a:extLst>
+          </a:blip>
+          <a:stretch>
+            <a:fillRect/>
+          </a:stretch>
+        </p:blipFill>
+        <p:spPr>
+          <a:xfrm>
+            <a:off x="0" y="654844"/>
+            <a:ext cx="12192000" cy="6203156"/>
+          </a:xfrm>
+          <a:prstGeom prst="rect">
+            <a:avLst/>
+          </a:prstGeom>
+        </p:spPr>
+      </p:pic>
+      <p:sp>
+        <p:nvSpPr>
+          <p:cNvPr id="5" name="TextBox 4">
+            <a:extLst>
+              <a:ext uri="{FF2B5EF4-FFF2-40B4-BE49-F238E27FC236}">
+                <a16:creationId xmlns:a16="http://schemas.microsoft.com/office/drawing/2014/main" id="{2BE136AE-036A-1725-F835-A0C475FAEF63}"/>
+              </a:ext>
+            </a:extLst>
+          </p:cNvPr>
+          <p:cNvSpPr txBox="1"/>
+          <p:nvPr/>
+        </p:nvSpPr>
+        <p:spPr>
+          <a:xfrm>
+            <a:off x="4977437" y="285512"/>
+            <a:ext cx="2237126" cy="369332"/>
+          </a:xfrm>
+          <a:prstGeom prst="rect">
+            <a:avLst/>
+          </a:prstGeom>
+          <a:noFill/>
+        </p:spPr>
+        <p:txBody>
+          <a:bodyPr wrap="square">
+            <a:spAutoFit/>
+          </a:bodyPr>
+          <a:lstStyle/>
+          <a:p>
+            <a:r>
+              <a:rPr lang="en-US" u="sng" dirty="0"/>
+              <a:t>Correlation Matrix</a:t>
+            </a:r>
+          </a:p>
+        </p:txBody>
+      </p:sp>
+      <p:sp>
+        <p:nvSpPr>
+          <p:cNvPr id="6" name="TextBox 5">
+            <a:extLst>
+              <a:ext uri="{FF2B5EF4-FFF2-40B4-BE49-F238E27FC236}">
+                <a16:creationId xmlns:a16="http://schemas.microsoft.com/office/drawing/2014/main" id="{1FBBBF67-7DE5-7F3D-ED8F-8CF1761EB9D9}"/>
+              </a:ext>
+            </a:extLst>
+          </p:cNvPr>
+          <p:cNvSpPr txBox="1"/>
+          <p:nvPr/>
+        </p:nvSpPr>
+        <p:spPr>
+          <a:xfrm>
+            <a:off x="1437815" y="716173"/>
+            <a:ext cx="9553903" cy="1107996"/>
+          </a:xfrm>
+          <a:prstGeom prst="rect">
+            <a:avLst/>
+          </a:prstGeom>
+          <a:noFill/>
+        </p:spPr>
+        <p:txBody>
+          <a:bodyPr wrap="square" rtlCol="1">
+            <a:spAutoFit/>
+          </a:bodyPr>
+          <a:lstStyle/>
+          <a:p>
+            <a:pPr algn="r" rtl="1"/>
+            <a:r>
+              <a:rPr lang="he-IL" sz="1200" dirty="0"/>
+              <a:t>בעזרת ה </a:t>
+            </a:r>
+            <a:r>
+              <a:rPr lang="en-US" sz="1200" dirty="0"/>
+              <a:t>Correlation Matrix</a:t>
+            </a:r>
+            <a:r>
+              <a:rPr lang="he-IL" sz="1200" dirty="0"/>
+              <a:t> ניתן לראות כמה הפיצ'רים השונים תלויים אחד בשני. כמו שניתן היה לצפות, הפיצ'ר בעל הקשר הכי חזק לתוצאה הוא רמת הגלוקוז בדם, שאכן משמש כמדד העיקרי לקיום סכרת ומצבה. </a:t>
+            </a:r>
+            <a:r>
+              <a:rPr lang="he-IL" sz="1200" dirty="0">
+                <a:solidFill>
+                  <a:srgbClr val="FF0000"/>
+                </a:solidFill>
+              </a:rPr>
+              <a:t>ניסיתי לשחק קצת בשאר הקשרים שיש בין הפיצ'רים – למשל להוריד את הפיצ'רים עם הקשר החלש לתוצאה ולראות אם משתפרים (לא, אבל גם לא פוגעים מהותית בתוצאה, אז אולי שווה לציין כי זה יכול לחסוך זמן) או לרוץ רק עם גלוקוז (לא טוב)</a:t>
+            </a:r>
+          </a:p>
+          <a:p>
+            <a:pPr algn="r" rtl="1"/>
+            <a:r>
+              <a:rPr lang="he-IL" sz="1200" dirty="0">
+                <a:solidFill>
+                  <a:srgbClr val="FF0000"/>
+                </a:solidFill>
+              </a:rPr>
+              <a:t>אפשר גם לנסות לרוץ בלי אינסולין כי הוא גם ככה קשור חזק לגלוקוז.</a:t>
+            </a:r>
+            <a:endParaRPr lang="he-IL" sz="1200" dirty="0"/>
+          </a:p>
+          <a:p>
+            <a:pPr algn="r" rtl="1"/>
+            <a:r>
+              <a:rPr lang="he-IL" dirty="0"/>
+              <a:t> </a:t>
+            </a:r>
+          </a:p>
+        </p:txBody>
+      </p:sp>
+    </p:spTree>
+    <p:extLst>
+      <p:ext uri="{BB962C8B-B14F-4D97-AF65-F5344CB8AC3E}">
+        <p14:creationId xmlns:p14="http://schemas.microsoft.com/office/powerpoint/2010/main" val="3622932987"/>
+      </p:ext>
+    </p:extLst>
+  </p:cSld>
+  <p:clrMapOvr>
+    <a:masterClrMapping/>
+  </p:clrMapOvr>
+</p:sld>
+</file>
+
+<file path=ppt/slides/slide6.xml><?xml version="1.0" encoding="utf-8"?>
+<p:sld xmlns:a="http://schemas.openxmlformats.org/drawingml/2006/main" xmlns:r="http://schemas.openxmlformats.org/officeDocument/2006/relationships" xmlns:p="http://schemas.openxmlformats.org/presentationml/2006/main">
+  <p:cSld>
+    <p:spTree>
+      <p:nvGrpSpPr>
+        <p:cNvPr id="1" name=""/>
+        <p:cNvGrpSpPr/>
+        <p:nvPr/>
+      </p:nvGrpSpPr>
+      <p:grpSpPr>
+        <a:xfrm>
+          <a:off x="0" y="0"/>
+          <a:ext cx="0" cy="0"/>
+          <a:chOff x="0" y="0"/>
+          <a:chExt cx="0" cy="0"/>
+        </a:xfrm>
+      </p:grpSpPr>
+      <p:sp>
+        <p:nvSpPr>
+          <p:cNvPr id="4" name="TextBox 3">
+            <a:extLst>
+              <a:ext uri="{FF2B5EF4-FFF2-40B4-BE49-F238E27FC236}">
+                <a16:creationId xmlns:a16="http://schemas.microsoft.com/office/drawing/2014/main" id="{3B1C56D7-4BC8-DD0C-FDDD-3FF4E72F2502}"/>
+              </a:ext>
+            </a:extLst>
+          </p:cNvPr>
+          <p:cNvSpPr txBox="1"/>
+          <p:nvPr/>
+        </p:nvSpPr>
+        <p:spPr>
+          <a:xfrm>
+            <a:off x="2457450" y="1752600"/>
+            <a:ext cx="5191125" cy="369332"/>
+          </a:xfrm>
+          <a:prstGeom prst="rect">
+            <a:avLst/>
+          </a:prstGeom>
+          <a:noFill/>
+        </p:spPr>
+        <p:txBody>
+          <a:bodyPr wrap="square" rtlCol="0">
+            <a:spAutoFit/>
+          </a:bodyPr>
+          <a:lstStyle/>
+          <a:p>
+            <a:r>
+              <a:rPr lang="en-US" dirty="0"/>
+              <a:t>Algorithms results</a:t>
+            </a:r>
+            <a:endParaRPr lang="en-IL" dirty="0"/>
+          </a:p>
+        </p:txBody>
+      </p:sp>
+      <p:sp>
+        <p:nvSpPr>
+          <p:cNvPr id="2" name="TextBox 1">
+            <a:extLst>
+              <a:ext uri="{FF2B5EF4-FFF2-40B4-BE49-F238E27FC236}">
+                <a16:creationId xmlns:a16="http://schemas.microsoft.com/office/drawing/2014/main" id="{830EC098-37FA-3B74-B462-EC7662FB96F1}"/>
+              </a:ext>
+            </a:extLst>
+          </p:cNvPr>
+          <p:cNvSpPr txBox="1"/>
+          <p:nvPr/>
+        </p:nvSpPr>
+        <p:spPr>
+          <a:xfrm>
+            <a:off x="4314548" y="656948"/>
+            <a:ext cx="5761607" cy="923330"/>
+          </a:xfrm>
+          <a:prstGeom prst="rect">
+            <a:avLst/>
+          </a:prstGeom>
+          <a:noFill/>
+        </p:spPr>
+        <p:txBody>
+          <a:bodyPr wrap="square" rtlCol="0">
+            <a:spAutoFit/>
+          </a:bodyPr>
+          <a:lstStyle/>
+          <a:p>
+            <a:pPr marL="342900" indent="-342900">
+              <a:buAutoNum type="arabicPeriod"/>
+            </a:pPr>
+            <a:r>
+              <a:rPr lang="en-US" dirty="0"/>
+              <a:t>We didn’t use k-means because it’s an unsupervised </a:t>
+            </a:r>
+          </a:p>
+          <a:p>
+            <a:pPr marL="342900" indent="-342900">
+              <a:buAutoNum type="arabicPeriod"/>
+            </a:pPr>
+            <a:r>
+              <a:rPr lang="en-US" dirty="0"/>
+              <a:t>We used </a:t>
+            </a:r>
+            <a:r>
+              <a:rPr lang="en-US" dirty="0" err="1"/>
+              <a:t>MLPClassifier</a:t>
+            </a:r>
+            <a:r>
+              <a:rPr lang="en-US" dirty="0"/>
+              <a:t> in neural network and not </a:t>
+            </a:r>
+            <a:r>
+              <a:rPr lang="en-US" dirty="0" err="1"/>
+              <a:t>MLPRegressor</a:t>
+            </a:r>
+            <a:r>
+              <a:rPr lang="en-US" dirty="0"/>
+              <a:t> because it’s a classification problem</a:t>
+            </a:r>
+            <a:endParaRPr lang="en-IL" dirty="0"/>
+          </a:p>
+        </p:txBody>
+      </p:sp>
+      <p:sp>
+        <p:nvSpPr>
+          <p:cNvPr id="3" name="TextBox 2">
+            <a:extLst>
+              <a:ext uri="{FF2B5EF4-FFF2-40B4-BE49-F238E27FC236}">
+                <a16:creationId xmlns:a16="http://schemas.microsoft.com/office/drawing/2014/main" id="{464D391C-B481-51C3-6B06-0C52546B8915}"/>
+              </a:ext>
+            </a:extLst>
+          </p:cNvPr>
+          <p:cNvSpPr txBox="1"/>
+          <p:nvPr/>
+        </p:nvSpPr>
+        <p:spPr>
+          <a:xfrm>
+            <a:off x="2032986" y="3773010"/>
+            <a:ext cx="3657600" cy="646331"/>
+          </a:xfrm>
+          <a:prstGeom prst="rect">
+            <a:avLst/>
+          </a:prstGeom>
+          <a:noFill/>
+        </p:spPr>
+        <p:txBody>
+          <a:bodyPr wrap="square" rtlCol="0">
+            <a:spAutoFit/>
+          </a:bodyPr>
+          <a:lstStyle/>
+          <a:p>
+            <a:r>
+              <a:rPr lang="he-IL" dirty="0"/>
+              <a:t>לבדוק שכל מה ששמנו נכון (מבחינת טריין וטסט)</a:t>
+            </a:r>
+            <a:endParaRPr lang="en-IL" dirty="0"/>
+          </a:p>
+        </p:txBody>
+      </p:sp>
+    </p:spTree>
+    <p:extLst>
+      <p:ext uri="{BB962C8B-B14F-4D97-AF65-F5344CB8AC3E}">
+        <p14:creationId xmlns:p14="http://schemas.microsoft.com/office/powerpoint/2010/main" val="3035582779"/>
+      </p:ext>
+    </p:extLst>
+  </p:cSld>
+  <p:clrMapOvr>
+    <a:masterClrMapping/>
+  </p:clrMapOvr>
+</p:sld>
+</file>
+
+<file path=ppt/slides/slide7.xml><?xml version="1.0" encoding="utf-8"?>
+<p:sld xmlns:a="http://schemas.openxmlformats.org/drawingml/2006/main" xmlns:r="http://schemas.openxmlformats.org/officeDocument/2006/relationships" xmlns:p="http://schemas.openxmlformats.org/presentationml/2006/main">
+  <p:cSld>
+    <p:spTree>
+      <p:nvGrpSpPr>
+        <p:cNvPr id="1" name=""/>
+        <p:cNvGrpSpPr/>
+        <p:nvPr/>
+      </p:nvGrpSpPr>
+      <p:grpSpPr>
+        <a:xfrm>
+          <a:off x="0" y="0"/>
+          <a:ext cx="0" cy="0"/>
+          <a:chOff x="0" y="0"/>
+          <a:chExt cx="0" cy="0"/>
+        </a:xfrm>
+      </p:grpSpPr>
       <p:sp>
         <p:nvSpPr>
           <p:cNvPr id="4" name="TextBox 3">
@@ -3986,7 +4422,7 @@
 </p:sld>
 </file>
 
-<file path=ppt/slides/slide6.xml><?xml version="1.0" encoding="utf-8"?>
+<file path=ppt/slides/slide8.xml><?xml version="1.0" encoding="utf-8"?>
 <p:sld xmlns:a="http://schemas.openxmlformats.org/drawingml/2006/main" xmlns:r="http://schemas.openxmlformats.org/officeDocument/2006/relationships" xmlns:p="http://schemas.openxmlformats.org/presentationml/2006/main">
   <p:cSld>
     <p:spTree>

--- a/ML Final Project.pptx
+++ b/ML Final Project.pptx
@@ -6,10 +6,10 @@
   </p:sldMasterIdLst>
   <p:sldIdLst>
     <p:sldId id="260" r:id="rId2"/>
-    <p:sldId id="261" r:id="rId3"/>
-    <p:sldId id="256" r:id="rId4"/>
-    <p:sldId id="262" r:id="rId5"/>
-    <p:sldId id="263" r:id="rId6"/>
+    <p:sldId id="256" r:id="rId3"/>
+    <p:sldId id="262" r:id="rId4"/>
+    <p:sldId id="263" r:id="rId5"/>
+    <p:sldId id="264" r:id="rId6"/>
     <p:sldId id="257" r:id="rId7"/>
     <p:sldId id="258" r:id="rId8"/>
     <p:sldId id="259" r:id="rId9"/>
@@ -3405,8 +3405,8 @@
         </p:nvSpPr>
         <p:spPr>
           <a:xfrm>
-            <a:off x="3444536" y="3009530"/>
-            <a:ext cx="3977196" cy="1754326"/>
+            <a:off x="257906" y="4885221"/>
+            <a:ext cx="1478133" cy="1754326"/>
           </a:xfrm>
           <a:prstGeom prst="rect">
             <a:avLst/>
@@ -3455,6 +3455,102 @@
             <a:r>
               <a:rPr lang="he-IL" dirty="0"/>
               <a:t>אלחנן ששון</a:t>
+            </a:r>
+            <a:endParaRPr lang="en-IL" dirty="0"/>
+          </a:p>
+        </p:txBody>
+      </p:sp>
+      <p:sp>
+        <p:nvSpPr>
+          <p:cNvPr id="2" name="TextBox 1">
+            <a:extLst>
+              <a:ext uri="{FF2B5EF4-FFF2-40B4-BE49-F238E27FC236}">
+                <a16:creationId xmlns:a16="http://schemas.microsoft.com/office/drawing/2014/main" id="{389FFC66-5D0F-D2C1-7DC8-51FE436463AC}"/>
+              </a:ext>
+            </a:extLst>
+          </p:cNvPr>
+          <p:cNvSpPr txBox="1"/>
+          <p:nvPr/>
+        </p:nvSpPr>
+        <p:spPr>
+          <a:xfrm>
+            <a:off x="2638888" y="1613049"/>
+            <a:ext cx="6094520" cy="1200329"/>
+          </a:xfrm>
+          <a:prstGeom prst="rect">
+            <a:avLst/>
+          </a:prstGeom>
+          <a:noFill/>
+        </p:spPr>
+        <p:txBody>
+          <a:bodyPr wrap="square">
+            <a:spAutoFit/>
+          </a:bodyPr>
+          <a:lstStyle/>
+          <a:p>
+            <a:pPr algn="r" rtl="1"/>
+            <a:r>
+              <a:rPr lang="he-IL" dirty="0"/>
+              <a:t>סֻכֶּרֶת היא מחלה מטבולית המתאפיינת בריכוז גבוה של גלוקוז בדם.</a:t>
+            </a:r>
+          </a:p>
+          <a:p>
+            <a:pPr algn="r" rtl="1"/>
+            <a:r>
+              <a:rPr lang="he-IL" dirty="0"/>
+              <a:t>המטרה: לחזות האם לחולה נתון יש סכרת</a:t>
+            </a:r>
+          </a:p>
+          <a:p>
+            <a:pPr algn="r" rtl="1"/>
+            <a:r>
+              <a:rPr lang="he-IL" dirty="0"/>
+              <a:t>הנתונים: </a:t>
+            </a:r>
+            <a:r>
+              <a:rPr lang="he-IL" sz="1800" dirty="0">
+                <a:effectLst/>
+                <a:latin typeface="Calibri" panose="020F0502020204030204" pitchFamily="34" charset="0"/>
+                <a:ea typeface="Calibri" panose="020F0502020204030204" pitchFamily="34" charset="0"/>
+                <a:cs typeface="Arial" panose="020B0604020202020204" pitchFamily="34" charset="0"/>
+              </a:rPr>
+              <a:t>מדידות הקשורות להריונות, גלוקוז, לחץ דם, עובי העור, אינסולין</a:t>
+            </a:r>
+            <a:r>
+              <a:rPr lang="en-US" sz="1800" dirty="0">
+                <a:effectLst/>
+                <a:latin typeface="Calibri" panose="020F0502020204030204" pitchFamily="34" charset="0"/>
+                <a:ea typeface="Calibri" panose="020F0502020204030204" pitchFamily="34" charset="0"/>
+                <a:cs typeface="Arial" panose="020B0604020202020204" pitchFamily="34" charset="0"/>
+              </a:rPr>
+              <a:t>, BMI, </a:t>
+            </a:r>
+            <a:r>
+              <a:rPr lang="en-US" sz="1800" dirty="0" err="1">
+                <a:effectLst/>
+                <a:latin typeface="Calibri" panose="020F0502020204030204" pitchFamily="34" charset="0"/>
+                <a:ea typeface="Calibri" panose="020F0502020204030204" pitchFamily="34" charset="0"/>
+                <a:cs typeface="Arial" panose="020B0604020202020204" pitchFamily="34" charset="0"/>
+              </a:rPr>
+              <a:t>DiabetesPedigree</a:t>
+            </a:r>
+            <a:r>
+              <a:rPr lang="en-US" sz="1800" dirty="0">
+                <a:effectLst/>
+                <a:latin typeface="Calibri" panose="020F0502020204030204" pitchFamily="34" charset="0"/>
+                <a:ea typeface="Calibri" panose="020F0502020204030204" pitchFamily="34" charset="0"/>
+                <a:cs typeface="Arial" panose="020B0604020202020204" pitchFamily="34" charset="0"/>
+              </a:rPr>
+              <a:t> Function </a:t>
+            </a:r>
+            <a:r>
+              <a:rPr lang="he-IL" sz="1800" dirty="0">
+                <a:effectLst/>
+                <a:latin typeface="Calibri" panose="020F0502020204030204" pitchFamily="34" charset="0"/>
+                <a:ea typeface="Calibri" panose="020F0502020204030204" pitchFamily="34" charset="0"/>
+                <a:cs typeface="Arial" panose="020B0604020202020204" pitchFamily="34" charset="0"/>
+              </a:rPr>
+              <a:t>וגיל</a:t>
             </a:r>
             <a:endParaRPr lang="en-IL" dirty="0"/>
           </a:p>
@@ -3490,12 +3586,48 @@
           <a:chExt cx="0" cy="0"/>
         </a:xfrm>
       </p:grpSpPr>
-      <p:sp>
-        <p:nvSpPr>
-          <p:cNvPr id="7" name="TextBox 6">
-            <a:extLst>
-              <a:ext uri="{FF2B5EF4-FFF2-40B4-BE49-F238E27FC236}">
-                <a16:creationId xmlns:a16="http://schemas.microsoft.com/office/drawing/2014/main" id="{ABC3F783-D872-AE43-D274-9BC1DE17A92A}"/>
+      <p:pic>
+        <p:nvPicPr>
+          <p:cNvPr id="3" name="Picture 2" descr="A picture containing chart">
+            <a:extLst>
+              <a:ext uri="{FF2B5EF4-FFF2-40B4-BE49-F238E27FC236}">
+                <a16:creationId xmlns:a16="http://schemas.microsoft.com/office/drawing/2014/main" id="{17AA3D8E-87B3-1CD1-FE17-02F336D37D61}"/>
+              </a:ext>
+            </a:extLst>
+          </p:cNvPr>
+          <p:cNvPicPr>
+            <a:picLocks noChangeAspect="1"/>
+          </p:cNvPicPr>
+          <p:nvPr/>
+        </p:nvPicPr>
+        <p:blipFill>
+          <a:blip r:embed="rId2">
+            <a:extLst>
+              <a:ext uri="{28A0092B-C50C-407E-A947-70E740481C1C}">
+                <a14:useLocalDpi xmlns:a14="http://schemas.microsoft.com/office/drawing/2010/main" val="0"/>
+              </a:ext>
+            </a:extLst>
+          </a:blip>
+          <a:stretch>
+            <a:fillRect/>
+          </a:stretch>
+        </p:blipFill>
+        <p:spPr>
+          <a:xfrm>
+            <a:off x="0" y="654844"/>
+            <a:ext cx="12192000" cy="6203156"/>
+          </a:xfrm>
+          <a:prstGeom prst="rect">
+            <a:avLst/>
+          </a:prstGeom>
+        </p:spPr>
+      </p:pic>
+      <p:sp>
+        <p:nvSpPr>
+          <p:cNvPr id="5" name="TextBox 4">
+            <a:extLst>
+              <a:ext uri="{FF2B5EF4-FFF2-40B4-BE49-F238E27FC236}">
+                <a16:creationId xmlns:a16="http://schemas.microsoft.com/office/drawing/2014/main" id="{3A5AF38A-E77A-3524-E80C-E06F5FAFCD15}"/>
               </a:ext>
             </a:extLst>
           </p:cNvPr>
@@ -3504,8 +3636,8 @@
         </p:nvSpPr>
         <p:spPr>
           <a:xfrm>
-            <a:off x="3047260" y="3108054"/>
-            <a:ext cx="6094520" cy="1200329"/>
+            <a:off x="4584612" y="346841"/>
+            <a:ext cx="2235420" cy="369332"/>
           </a:xfrm>
           <a:prstGeom prst="rect">
             <a:avLst/>
@@ -3513,83 +3645,89 @@
           <a:noFill/>
         </p:spPr>
         <p:txBody>
-          <a:bodyPr wrap="square">
+          <a:bodyPr wrap="none" rtlCol="1">
             <a:spAutoFit/>
           </a:bodyPr>
           <a:lstStyle/>
           <a:p>
+            <a:r>
+              <a:rPr lang="en-US" u="sng" dirty="0"/>
+              <a:t>Raw Data Distribution</a:t>
+            </a:r>
+          </a:p>
+        </p:txBody>
+      </p:sp>
+      <p:sp>
+        <p:nvSpPr>
+          <p:cNvPr id="6" name="TextBox 5">
+            <a:extLst>
+              <a:ext uri="{FF2B5EF4-FFF2-40B4-BE49-F238E27FC236}">
+                <a16:creationId xmlns:a16="http://schemas.microsoft.com/office/drawing/2014/main" id="{B90781C8-9FA8-3AAD-0D88-A1F09E7FBA04}"/>
+              </a:ext>
+            </a:extLst>
+          </p:cNvPr>
+          <p:cNvSpPr txBox="1"/>
+          <p:nvPr/>
+        </p:nvSpPr>
+        <p:spPr>
+          <a:xfrm>
+            <a:off x="1437815" y="716173"/>
+            <a:ext cx="9553903" cy="923330"/>
+          </a:xfrm>
+          <a:prstGeom prst="rect">
+            <a:avLst/>
+          </a:prstGeom>
+          <a:noFill/>
+        </p:spPr>
+        <p:txBody>
+          <a:bodyPr wrap="square" rtlCol="1">
+            <a:spAutoFit/>
+          </a:bodyPr>
+          <a:lstStyle/>
+          <a:p>
             <a:pPr algn="r" rtl="1"/>
             <a:r>
+              <a:rPr lang="he-IL" sz="1200" dirty="0"/>
+              <a:t>ניתן לראות כי עבור הפיצ'רים השונים ישנם ערכים לא תקינים, כמו למשל רמת אינסולין, לחץ דם ועובי עור 0 או </a:t>
+            </a:r>
+            <a:r>
+              <a:rPr lang="en-US" sz="1200" dirty="0"/>
+              <a:t>outliers</a:t>
+            </a:r>
+            <a:r>
+              <a:rPr lang="he-IL" sz="1200" dirty="0"/>
+              <a:t> כמו </a:t>
+            </a:r>
+            <a:r>
+              <a:rPr lang="en-US" sz="1200" dirty="0"/>
+              <a:t>BMI &gt; 40</a:t>
+            </a:r>
+            <a:r>
+              <a:rPr lang="he-IL" sz="1200" dirty="0"/>
+              <a:t>. במקרים כאלו אפשר לבחור להוריד את הנדגמים בעלי הערכים הבעייתיים ממאגר הנתונים, אך מכיוון שכאן מדובר בכמות משמעותית של נדגמים, בחרנו להחליף את הערכים</a:t>
+            </a:r>
+            <a:r>
+              <a:rPr lang="en-US" sz="1200" dirty="0"/>
+              <a:t> </a:t>
+            </a:r>
+            <a:r>
+              <a:rPr lang="he-IL" sz="1200" dirty="0"/>
+              <a:t>הבעייתיים בערך הממוצע (בניקוי הבעייתיים).</a:t>
+            </a:r>
+          </a:p>
+          <a:p>
+            <a:pPr algn="r" rtl="1"/>
+            <a:r>
               <a:rPr lang="he-IL" dirty="0"/>
-              <a:t>סֻכֶּרֶת היא מחלה מטבולית המתאפיינת בריכוז גבוה של גלוקוז בדם.</a:t>
-            </a:r>
-          </a:p>
-          <a:p>
-            <a:pPr algn="r" rtl="1"/>
-            <a:r>
-              <a:rPr lang="he-IL" dirty="0"/>
-              <a:t>המטרה: לחזות האם לחולה נתון יש סכרת</a:t>
-            </a:r>
-          </a:p>
-          <a:p>
-            <a:pPr algn="r" rtl="1"/>
-            <a:r>
-              <a:rPr lang="he-IL" dirty="0"/>
-              <a:t>הנתונים: </a:t>
-            </a:r>
-            <a:r>
-              <a:rPr lang="he-IL" sz="1800" dirty="0">
-                <a:effectLst/>
-                <a:latin typeface="Calibri" panose="020F0502020204030204" pitchFamily="34" charset="0"/>
-                <a:ea typeface="Calibri" panose="020F0502020204030204" pitchFamily="34" charset="0"/>
-                <a:cs typeface="Arial" panose="020B0604020202020204" pitchFamily="34" charset="0"/>
-              </a:rPr>
-              <a:t>מדידות הקשורות להריונות, גלוקוז, לחץ דם, עובי העור, אינסולין</a:t>
-            </a:r>
-            <a:r>
-              <a:rPr lang="en-US" sz="1800" dirty="0">
-                <a:effectLst/>
-                <a:latin typeface="Calibri" panose="020F0502020204030204" pitchFamily="34" charset="0"/>
-                <a:ea typeface="Calibri" panose="020F0502020204030204" pitchFamily="34" charset="0"/>
-                <a:cs typeface="Arial" panose="020B0604020202020204" pitchFamily="34" charset="0"/>
-              </a:rPr>
-              <a:t>, BMI, </a:t>
-            </a:r>
-            <a:r>
-              <a:rPr lang="en-US" sz="1800" dirty="0" err="1">
-                <a:effectLst/>
-                <a:latin typeface="Calibri" panose="020F0502020204030204" pitchFamily="34" charset="0"/>
-                <a:ea typeface="Calibri" panose="020F0502020204030204" pitchFamily="34" charset="0"/>
-                <a:cs typeface="Arial" panose="020B0604020202020204" pitchFamily="34" charset="0"/>
-              </a:rPr>
-              <a:t>DiabetesPedigree</a:t>
-            </a:r>
-            <a:r>
-              <a:rPr lang="en-US" sz="1800" dirty="0">
-                <a:effectLst/>
-                <a:latin typeface="Calibri" panose="020F0502020204030204" pitchFamily="34" charset="0"/>
-                <a:ea typeface="Calibri" panose="020F0502020204030204" pitchFamily="34" charset="0"/>
-                <a:cs typeface="Arial" panose="020B0604020202020204" pitchFamily="34" charset="0"/>
-              </a:rPr>
-              <a:t> Function </a:t>
-            </a:r>
-            <a:r>
-              <a:rPr lang="he-IL" sz="1800" dirty="0">
-                <a:effectLst/>
-                <a:latin typeface="Calibri" panose="020F0502020204030204" pitchFamily="34" charset="0"/>
-                <a:ea typeface="Calibri" panose="020F0502020204030204" pitchFamily="34" charset="0"/>
-                <a:cs typeface="Arial" panose="020B0604020202020204" pitchFamily="34" charset="0"/>
-              </a:rPr>
-              <a:t>וגיל</a:t>
-            </a:r>
-            <a:endParaRPr lang="en-IL" dirty="0"/>
+              <a:t> </a:t>
+            </a:r>
           </a:p>
         </p:txBody>
       </p:sp>
     </p:spTree>
     <p:extLst>
       <p:ext uri="{BB962C8B-B14F-4D97-AF65-F5344CB8AC3E}">
-        <p14:creationId xmlns:p14="http://schemas.microsoft.com/office/powerpoint/2010/main" val="442462666"/>
+        <p14:creationId xmlns:p14="http://schemas.microsoft.com/office/powerpoint/2010/main" val="2218032313"/>
       </p:ext>
     </p:extLst>
   </p:cSld>
@@ -3618,10 +3756,10 @@
       </p:grpSpPr>
       <p:pic>
         <p:nvPicPr>
-          <p:cNvPr id="3" name="Picture 2" descr="A picture containing chart">
-            <a:extLst>
-              <a:ext uri="{FF2B5EF4-FFF2-40B4-BE49-F238E27FC236}">
-                <a16:creationId xmlns:a16="http://schemas.microsoft.com/office/drawing/2014/main" id="{17AA3D8E-87B3-1CD1-FE17-02F336D37D61}"/>
+          <p:cNvPr id="5" name="Picture 4" descr="Diagram&#10;&#10;Description automatically generated">
+            <a:extLst>
+              <a:ext uri="{FF2B5EF4-FFF2-40B4-BE49-F238E27FC236}">
+                <a16:creationId xmlns:a16="http://schemas.microsoft.com/office/drawing/2014/main" id="{C4CDA680-0042-F971-C835-7F3F5C372B12}"/>
               </a:ext>
             </a:extLst>
           </p:cNvPr>
@@ -3654,10 +3792,10 @@
       </p:pic>
       <p:sp>
         <p:nvSpPr>
-          <p:cNvPr id="5" name="TextBox 4">
-            <a:extLst>
-              <a:ext uri="{FF2B5EF4-FFF2-40B4-BE49-F238E27FC236}">
-                <a16:creationId xmlns:a16="http://schemas.microsoft.com/office/drawing/2014/main" id="{3A5AF38A-E77A-3524-E80C-E06F5FAFCD15}"/>
+          <p:cNvPr id="6" name="TextBox 5">
+            <a:extLst>
+              <a:ext uri="{FF2B5EF4-FFF2-40B4-BE49-F238E27FC236}">
+                <a16:creationId xmlns:a16="http://schemas.microsoft.com/office/drawing/2014/main" id="{66A776C4-86A2-4BAC-6095-AE016ADE3BCD}"/>
               </a:ext>
             </a:extLst>
           </p:cNvPr>
@@ -3667,7 +3805,7 @@
         <p:spPr>
           <a:xfrm>
             <a:off x="4584612" y="346841"/>
-            <a:ext cx="2235420" cy="369332"/>
+            <a:ext cx="2597699" cy="369332"/>
           </a:xfrm>
           <a:prstGeom prst="rect">
             <a:avLst/>
@@ -3682,17 +3820,17 @@
           <a:p>
             <a:r>
               <a:rPr lang="en-US" u="sng" dirty="0"/>
-              <a:t>Raw Data Distribution</a:t>
-            </a:r>
-          </a:p>
-        </p:txBody>
-      </p:sp>
-      <p:sp>
-        <p:nvSpPr>
-          <p:cNvPr id="6" name="TextBox 5">
-            <a:extLst>
-              <a:ext uri="{FF2B5EF4-FFF2-40B4-BE49-F238E27FC236}">
-                <a16:creationId xmlns:a16="http://schemas.microsoft.com/office/drawing/2014/main" id="{B90781C8-9FA8-3AAD-0D88-A1F09E7FBA04}"/>
+              <a:t>Cleaned Data Distribution</a:t>
+            </a:r>
+          </a:p>
+        </p:txBody>
+      </p:sp>
+      <p:sp>
+        <p:nvSpPr>
+          <p:cNvPr id="7" name="TextBox 6">
+            <a:extLst>
+              <a:ext uri="{FF2B5EF4-FFF2-40B4-BE49-F238E27FC236}">
+                <a16:creationId xmlns:a16="http://schemas.microsoft.com/office/drawing/2014/main" id="{C19B240E-C227-C065-FECB-B84B1CECD7A9}"/>
               </a:ext>
             </a:extLst>
           </p:cNvPr>
@@ -3702,7 +3840,7 @@
         <p:spPr>
           <a:xfrm>
             <a:off x="1437815" y="716173"/>
-            <a:ext cx="9553903" cy="923330"/>
+            <a:ext cx="9553903" cy="738664"/>
           </a:xfrm>
           <a:prstGeom prst="rect">
             <a:avLst/>
@@ -3718,31 +3856,23 @@
             <a:pPr algn="r" rtl="1"/>
             <a:r>
               <a:rPr lang="he-IL" sz="1200" dirty="0"/>
-              <a:t>ניתן לראות כי עבור הפיצ'רים השונים ישנם ערכים לא תקינים, כמו למשל רמת אינסולין, לחץ דם ועובי עור 0 או </a:t>
+              <a:t>לאחר הניקוי ניתן לראות שכל הערכים הקיימים תקינים לוגית, שצמצמנו את כמות ה </a:t>
             </a:r>
             <a:r>
               <a:rPr lang="en-US" sz="1200" dirty="0"/>
-              <a:t>outliers</a:t>
+              <a:t>Outliers</a:t>
             </a:r>
             <a:r>
               <a:rPr lang="he-IL" sz="1200" dirty="0"/>
-              <a:t> כמו </a:t>
+              <a:t> ב </a:t>
             </a:r>
             <a:r>
               <a:rPr lang="en-US" sz="1200" dirty="0"/>
-              <a:t>BMI &gt; 40</a:t>
+              <a:t>BMI</a:t>
             </a:r>
             <a:r>
               <a:rPr lang="he-IL" sz="1200" dirty="0"/>
-              <a:t>. במקרים כאלו אפשר לבחור להוריד את הנדגמים בעלי הערכים הבעייתיים ממאגר הנתונים, אך מכיוון שכאן מדובר בכמות משמעותית של נדגמים, בחרנו להחליף את הערכים</a:t>
-            </a:r>
-            <a:r>
-              <a:rPr lang="en-US" sz="1200" dirty="0"/>
-              <a:t> </a:t>
-            </a:r>
-            <a:r>
-              <a:rPr lang="he-IL" sz="1200" dirty="0"/>
-              <a:t>הבעייתיים בערך הממוצע (בניקוי הבעייתיים).</a:t>
+              <a:t> ושהמדדים שניתן היה לצפות שיציגו התפלגות נורמלית באמת מציגים התפלגות כזו.</a:t>
             </a:r>
           </a:p>
           <a:p>
@@ -3757,7 +3887,7 @@
     </p:spTree>
     <p:extLst>
       <p:ext uri="{BB962C8B-B14F-4D97-AF65-F5344CB8AC3E}">
-        <p14:creationId xmlns:p14="http://schemas.microsoft.com/office/powerpoint/2010/main" val="2218032313"/>
+        <p14:creationId xmlns:p14="http://schemas.microsoft.com/office/powerpoint/2010/main" val="1365003671"/>
       </p:ext>
     </p:extLst>
   </p:cSld>
@@ -3786,10 +3916,10 @@
       </p:grpSpPr>
       <p:pic>
         <p:nvPicPr>
-          <p:cNvPr id="5" name="Picture 4" descr="Diagram&#10;&#10;Description automatically generated">
-            <a:extLst>
-              <a:ext uri="{FF2B5EF4-FFF2-40B4-BE49-F238E27FC236}">
-                <a16:creationId xmlns:a16="http://schemas.microsoft.com/office/drawing/2014/main" id="{C4CDA680-0042-F971-C835-7F3F5C372B12}"/>
+          <p:cNvPr id="3" name="Picture 2" descr="Chart, histogram&#10;&#10;Description automatically generated">
+            <a:extLst>
+              <a:ext uri="{FF2B5EF4-FFF2-40B4-BE49-F238E27FC236}">
+                <a16:creationId xmlns:a16="http://schemas.microsoft.com/office/drawing/2014/main" id="{B30AD9F2-CB94-1035-BFD2-D611126B0A68}"/>
               </a:ext>
             </a:extLst>
           </p:cNvPr>
@@ -3822,10 +3952,10 @@
       </p:pic>
       <p:sp>
         <p:nvSpPr>
-          <p:cNvPr id="6" name="TextBox 5">
-            <a:extLst>
-              <a:ext uri="{FF2B5EF4-FFF2-40B4-BE49-F238E27FC236}">
-                <a16:creationId xmlns:a16="http://schemas.microsoft.com/office/drawing/2014/main" id="{66A776C4-86A2-4BAC-6095-AE016ADE3BCD}"/>
+          <p:cNvPr id="5" name="TextBox 4">
+            <a:extLst>
+              <a:ext uri="{FF2B5EF4-FFF2-40B4-BE49-F238E27FC236}">
+                <a16:creationId xmlns:a16="http://schemas.microsoft.com/office/drawing/2014/main" id="{2BE136AE-036A-1725-F835-A0C475FAEF63}"/>
               </a:ext>
             </a:extLst>
           </p:cNvPr>
@@ -3834,8 +3964,8 @@
         </p:nvSpPr>
         <p:spPr>
           <a:xfrm>
-            <a:off x="4584612" y="346841"/>
-            <a:ext cx="2597699" cy="369332"/>
+            <a:off x="4977437" y="285512"/>
+            <a:ext cx="2237126" cy="369332"/>
           </a:xfrm>
           <a:prstGeom prst="rect">
             <a:avLst/>
@@ -3843,24 +3973,24 @@
           <a:noFill/>
         </p:spPr>
         <p:txBody>
-          <a:bodyPr wrap="none" rtlCol="1">
+          <a:bodyPr wrap="square">
             <a:spAutoFit/>
           </a:bodyPr>
           <a:lstStyle/>
           <a:p>
             <a:r>
               <a:rPr lang="en-US" u="sng" dirty="0"/>
-              <a:t>Cleaned Data Distribution</a:t>
-            </a:r>
-          </a:p>
-        </p:txBody>
-      </p:sp>
-      <p:sp>
-        <p:nvSpPr>
-          <p:cNvPr id="7" name="TextBox 6">
-            <a:extLst>
-              <a:ext uri="{FF2B5EF4-FFF2-40B4-BE49-F238E27FC236}">
-                <a16:creationId xmlns:a16="http://schemas.microsoft.com/office/drawing/2014/main" id="{C19B240E-C227-C065-FECB-B84B1CECD7A9}"/>
+              <a:t>Correlation Matrix</a:t>
+            </a:r>
+          </a:p>
+        </p:txBody>
+      </p:sp>
+      <p:sp>
+        <p:nvSpPr>
+          <p:cNvPr id="6" name="TextBox 5">
+            <a:extLst>
+              <a:ext uri="{FF2B5EF4-FFF2-40B4-BE49-F238E27FC236}">
+                <a16:creationId xmlns:a16="http://schemas.microsoft.com/office/drawing/2014/main" id="{1FBBBF67-7DE5-7F3D-ED8F-8CF1761EB9D9}"/>
               </a:ext>
             </a:extLst>
           </p:cNvPr>
@@ -3870,7 +4000,7 @@
         <p:spPr>
           <a:xfrm>
             <a:off x="1437815" y="716173"/>
-            <a:ext cx="9553903" cy="738664"/>
+            <a:ext cx="9553903" cy="1107996"/>
           </a:xfrm>
           <a:prstGeom prst="rect">
             <a:avLst/>
@@ -3886,24 +4016,36 @@
             <a:pPr algn="r" rtl="1"/>
             <a:r>
               <a:rPr lang="he-IL" sz="1200" dirty="0"/>
-              <a:t>לאחר הניקוי ניתן לראות שכל הערכים הקיימים תקינים לוגית, שצמצמנו את כמות ה </a:t>
+              <a:t>בעזרת ה </a:t>
             </a:r>
             <a:r>
               <a:rPr lang="en-US" sz="1200" dirty="0"/>
-              <a:t>Outliers</a:t>
+              <a:t>Correlation Matrix</a:t>
             </a:r>
             <a:r>
               <a:rPr lang="he-IL" sz="1200" dirty="0"/>
-              <a:t> ב </a:t>
-            </a:r>
-            <a:r>
-              <a:rPr lang="en-US" sz="1200" dirty="0"/>
-              <a:t>BMI</a:t>
-            </a:r>
-            <a:r>
-              <a:rPr lang="he-IL" sz="1200" dirty="0"/>
-              <a:t> ושהמדדים שניתן היה לצפות שיציגו התפלגות נורמלית באמת מציגים התפלגות כזו.</a:t>
-            </a:r>
+              <a:t> ניתן לראות כמה הפיצ'רים השונים תלויים אחד בשני. כמו שניתן היה לצפות, הפיצ'ר בעל הקשר הכי חזק לתוצאה הוא רמת הגלוקוז בדם, שאכן משמש כמדד העיקרי לקיום סכרת ומצבה. </a:t>
+            </a:r>
+            <a:r>
+              <a:rPr lang="he-IL" sz="1200" dirty="0">
+                <a:solidFill>
+                  <a:srgbClr val="FF0000"/>
+                </a:solidFill>
+              </a:rPr>
+              <a:t>ניסיתי לשחק קצת בשאר הקשרים שיש בין הפיצ'רים – למשל להוריד את הפיצ'רים עם הקשר החלש לתוצאה ולראות אם משתפרים (לא, אבל גם לא פוגעים מהותית בתוצאה, אז אולי שווה לציין כי זה יכול לחסוך זמן) או לרוץ רק עם גלוקוז (לא טוב)</a:t>
+            </a:r>
+          </a:p>
+          <a:p>
+            <a:pPr algn="r" rtl="1"/>
+            <a:r>
+              <a:rPr lang="he-IL" sz="1200" dirty="0">
+                <a:solidFill>
+                  <a:srgbClr val="FF0000"/>
+                </a:solidFill>
+              </a:rPr>
+              <a:t>אפשר גם לנסות לרוץ בלי אינסולין כי הוא גם ככה קשור חזק לגלוקוז.</a:t>
+            </a:r>
+            <a:endParaRPr lang="he-IL" sz="1200" dirty="0"/>
           </a:p>
           <a:p>
             <a:pPr algn="r" rtl="1"/>
@@ -3917,7 +4059,7 @@
     </p:spTree>
     <p:extLst>
       <p:ext uri="{BB962C8B-B14F-4D97-AF65-F5344CB8AC3E}">
-        <p14:creationId xmlns:p14="http://schemas.microsoft.com/office/powerpoint/2010/main" val="1365003671"/>
+        <p14:creationId xmlns:p14="http://schemas.microsoft.com/office/powerpoint/2010/main" val="3622932987"/>
       </p:ext>
     </p:extLst>
   </p:cSld>
@@ -3944,48 +4086,12 @@
           <a:chExt cx="0" cy="0"/>
         </a:xfrm>
       </p:grpSpPr>
-      <p:pic>
-        <p:nvPicPr>
-          <p:cNvPr id="3" name="Picture 2" descr="Chart, histogram&#10;&#10;Description automatically generated">
-            <a:extLst>
-              <a:ext uri="{FF2B5EF4-FFF2-40B4-BE49-F238E27FC236}">
-                <a16:creationId xmlns:a16="http://schemas.microsoft.com/office/drawing/2014/main" id="{B30AD9F2-CB94-1035-BFD2-D611126B0A68}"/>
-              </a:ext>
-            </a:extLst>
-          </p:cNvPr>
-          <p:cNvPicPr>
-            <a:picLocks noChangeAspect="1"/>
-          </p:cNvPicPr>
-          <p:nvPr/>
-        </p:nvPicPr>
-        <p:blipFill>
-          <a:blip r:embed="rId2">
-            <a:extLst>
-              <a:ext uri="{28A0092B-C50C-407E-A947-70E740481C1C}">
-                <a14:useLocalDpi xmlns:a14="http://schemas.microsoft.com/office/drawing/2010/main" val="0"/>
-              </a:ext>
-            </a:extLst>
-          </a:blip>
-          <a:stretch>
-            <a:fillRect/>
-          </a:stretch>
-        </p:blipFill>
-        <p:spPr>
-          <a:xfrm>
-            <a:off x="0" y="654844"/>
-            <a:ext cx="12192000" cy="6203156"/>
-          </a:xfrm>
-          <a:prstGeom prst="rect">
-            <a:avLst/>
-          </a:prstGeom>
-        </p:spPr>
-      </p:pic>
-      <p:sp>
-        <p:nvSpPr>
-          <p:cNvPr id="5" name="TextBox 4">
-            <a:extLst>
-              <a:ext uri="{FF2B5EF4-FFF2-40B4-BE49-F238E27FC236}">
-                <a16:creationId xmlns:a16="http://schemas.microsoft.com/office/drawing/2014/main" id="{2BE136AE-036A-1725-F835-A0C475FAEF63}"/>
+      <p:sp>
+        <p:nvSpPr>
+          <p:cNvPr id="2" name="TextBox 1">
+            <a:extLst>
+              <a:ext uri="{FF2B5EF4-FFF2-40B4-BE49-F238E27FC236}">
+                <a16:creationId xmlns:a16="http://schemas.microsoft.com/office/drawing/2014/main" id="{32282AAA-27A6-3AA2-A3B5-202C480C640A}"/>
               </a:ext>
             </a:extLst>
           </p:cNvPr>
@@ -4010,17 +4116,53 @@
           <a:p>
             <a:r>
               <a:rPr lang="en-US" u="sng" dirty="0"/>
-              <a:t>Correlation Matrix</a:t>
-            </a:r>
-          </a:p>
-        </p:txBody>
-      </p:sp>
-      <p:sp>
-        <p:nvSpPr>
-          <p:cNvPr id="6" name="TextBox 5">
-            <a:extLst>
-              <a:ext uri="{FF2B5EF4-FFF2-40B4-BE49-F238E27FC236}">
-                <a16:creationId xmlns:a16="http://schemas.microsoft.com/office/drawing/2014/main" id="{1FBBBF67-7DE5-7F3D-ED8F-8CF1761EB9D9}"/>
+              <a:t>Data Normalization</a:t>
+            </a:r>
+          </a:p>
+        </p:txBody>
+      </p:sp>
+      <p:pic>
+        <p:nvPicPr>
+          <p:cNvPr id="4" name="Picture 3" descr="Chart, pie chart&#10;&#10;Description automatically generated">
+            <a:extLst>
+              <a:ext uri="{FF2B5EF4-FFF2-40B4-BE49-F238E27FC236}">
+                <a16:creationId xmlns:a16="http://schemas.microsoft.com/office/drawing/2014/main" id="{49B74FA3-67BF-5EEE-3A3C-C777D03848B8}"/>
+              </a:ext>
+            </a:extLst>
+          </p:cNvPr>
+          <p:cNvPicPr>
+            <a:picLocks noChangeAspect="1"/>
+          </p:cNvPicPr>
+          <p:nvPr/>
+        </p:nvPicPr>
+        <p:blipFill>
+          <a:blip r:embed="rId2">
+            <a:extLst>
+              <a:ext uri="{28A0092B-C50C-407E-A947-70E740481C1C}">
+                <a14:useLocalDpi xmlns:a14="http://schemas.microsoft.com/office/drawing/2010/main" val="0"/>
+              </a:ext>
+            </a:extLst>
+          </a:blip>
+          <a:stretch>
+            <a:fillRect/>
+          </a:stretch>
+        </p:blipFill>
+        <p:spPr>
+          <a:xfrm>
+            <a:off x="2692788" y="1753182"/>
+            <a:ext cx="6806424" cy="5104818"/>
+          </a:xfrm>
+          <a:prstGeom prst="rect">
+            <a:avLst/>
+          </a:prstGeom>
+        </p:spPr>
+      </p:pic>
+      <p:sp>
+        <p:nvSpPr>
+          <p:cNvPr id="5" name="TextBox 4">
+            <a:extLst>
+              <a:ext uri="{FF2B5EF4-FFF2-40B4-BE49-F238E27FC236}">
+                <a16:creationId xmlns:a16="http://schemas.microsoft.com/office/drawing/2014/main" id="{A13F85C3-5776-4547-913E-0092C5A93B14}"/>
               </a:ext>
             </a:extLst>
           </p:cNvPr>
@@ -4030,7 +4172,7 @@
         <p:spPr>
           <a:xfrm>
             <a:off x="1437815" y="716173"/>
-            <a:ext cx="9553903" cy="1107996"/>
+            <a:ext cx="9553903" cy="1477328"/>
           </a:xfrm>
           <a:prstGeom prst="rect">
             <a:avLst/>
@@ -4046,36 +4188,56 @@
             <a:pPr algn="r" rtl="1"/>
             <a:r>
               <a:rPr lang="he-IL" sz="1200" dirty="0"/>
-              <a:t>בעזרת ה </a:t>
+              <a:t>נרמול הדאטה נעשה בשני ערוצים:</a:t>
+            </a:r>
+          </a:p>
+          <a:p>
+            <a:pPr marL="228600" indent="-228600" algn="r" rtl="1">
+              <a:buFont typeface="+mj-lt"/>
+              <a:buAutoNum type="arabicPeriod"/>
+            </a:pPr>
+            <a:r>
+              <a:rPr lang="he-IL" sz="1200" dirty="0"/>
+              <a:t>מכיוון שכל אחד מהפיצ'רים נמדד על פני טווח ערכים שונים, יש צורך לנרמל את כל הערכים כך שינועו על אותה הסקאלה. נעשה ע"י </a:t>
+            </a:r>
+            <a:r>
+              <a:rPr lang="en-US" sz="1200" dirty="0" err="1"/>
+              <a:t>StandardScaler</a:t>
+            </a:r>
+            <a:endParaRPr lang="en-US" sz="1200" dirty="0"/>
+          </a:p>
+          <a:p>
+            <a:pPr marL="228600" indent="-228600" algn="r" rtl="1">
+              <a:buFont typeface="+mj-lt"/>
+              <a:buAutoNum type="arabicPeriod"/>
+            </a:pPr>
+            <a:r>
+              <a:rPr lang="he-IL" sz="1200" dirty="0"/>
+              <a:t>כמו שאפשר לראות בתרשים, עמודת התוצאה שלנו אינה מאוזנת. יש כמה דרכים להתמודד עם בעיה כזו, כמו "זריקה" של דאטה הרוב, </a:t>
             </a:r>
             <a:r>
               <a:rPr lang="en-US" sz="1200" dirty="0"/>
-              <a:t>Correlation Matrix</a:t>
+              <a:t>Under/Over sampling</a:t>
             </a:r>
             <a:r>
               <a:rPr lang="he-IL" sz="1200" dirty="0"/>
-              <a:t> ניתן לראות כמה הפיצ'רים השונים תלויים אחד בשני. כמו שניתן היה לצפות, הפיצ'ר בעל הקשר הכי חזק לתוצאה הוא רמת הגלוקוז בדם, שאכן משמש כמדד העיקרי לקיום סכרת ומצבה. </a:t>
-            </a:r>
-            <a:r>
-              <a:rPr lang="he-IL" sz="1200" dirty="0">
-                <a:solidFill>
-                  <a:srgbClr val="FF0000"/>
-                </a:solidFill>
-              </a:rPr>
-              <a:t>ניסיתי לשחק קצת בשאר הקשרים שיש בין הפיצ'רים – למשל להוריד את הפיצ'רים עם הקשר החלש לתוצאה ולראות אם משתפרים (לא, אבל גם לא פוגעים מהותית בתוצאה, אז אולי שווה לציין כי זה יכול לחסוך זמן) או לרוץ רק עם גלוקוז (לא טוב)</a:t>
-            </a:r>
-          </a:p>
-          <a:p>
-            <a:pPr algn="r" rtl="1"/>
-            <a:r>
-              <a:rPr lang="he-IL" sz="1200" dirty="0">
-                <a:solidFill>
-                  <a:srgbClr val="FF0000"/>
-                </a:solidFill>
-              </a:rPr>
-              <a:t>אפשר גם לנסות לרוץ בלי אינסולין כי הוא גם ככה קשור חזק לגלוקוז.</a:t>
-            </a:r>
-            <a:endParaRPr lang="he-IL" sz="1200" dirty="0"/>
+              <a:t> ועוד.</a:t>
+            </a:r>
+            <a:br>
+              <a:rPr lang="en-US" sz="1200" dirty="0"/>
+            </a:br>
+            <a:r>
+              <a:rPr lang="he-IL" sz="1200" dirty="0"/>
+              <a:t>אנחנו בחרנו להשתמש ב </a:t>
+            </a:r>
+            <a:r>
+              <a:rPr lang="en-US" sz="1200" dirty="0"/>
+              <a:t>SMOTE -Synthetic Minority Over-sampling Technique </a:t>
+            </a:r>
+            <a:r>
+              <a:rPr lang="he-IL" sz="1200" dirty="0"/>
+              <a:t> בה מייצרים בצורה סינטטית דגימות נוספות, שונות במעט מהדגימות הקיימות, עבור הדאטה שנמצא במיעוט.</a:t>
+            </a:r>
           </a:p>
           <a:p>
             <a:pPr algn="r" rtl="1"/>
@@ -4089,7 +4251,7 @@
     </p:spTree>
     <p:extLst>
       <p:ext uri="{BB962C8B-B14F-4D97-AF65-F5344CB8AC3E}">
-        <p14:creationId xmlns:p14="http://schemas.microsoft.com/office/powerpoint/2010/main" val="3622932987"/>
+        <p14:creationId xmlns:p14="http://schemas.microsoft.com/office/powerpoint/2010/main" val="2843809083"/>
       </p:ext>
     </p:extLst>
   </p:cSld>
@@ -4118,10 +4280,10 @@
       </p:grpSpPr>
       <p:sp>
         <p:nvSpPr>
-          <p:cNvPr id="4" name="TextBox 3">
-            <a:extLst>
-              <a:ext uri="{FF2B5EF4-FFF2-40B4-BE49-F238E27FC236}">
-                <a16:creationId xmlns:a16="http://schemas.microsoft.com/office/drawing/2014/main" id="{3B1C56D7-4BC8-DD0C-FDDD-3FF4E72F2502}"/>
+          <p:cNvPr id="2" name="TextBox 1">
+            <a:extLst>
+              <a:ext uri="{FF2B5EF4-FFF2-40B4-BE49-F238E27FC236}">
+                <a16:creationId xmlns:a16="http://schemas.microsoft.com/office/drawing/2014/main" id="{830EC098-37FA-3B74-B462-EC7662FB96F1}"/>
               </a:ext>
             </a:extLst>
           </p:cNvPr>
@@ -4130,43 +4292,7 @@
         </p:nvSpPr>
         <p:spPr>
           <a:xfrm>
-            <a:off x="2457450" y="1752600"/>
-            <a:ext cx="5191125" cy="369332"/>
-          </a:xfrm>
-          <a:prstGeom prst="rect">
-            <a:avLst/>
-          </a:prstGeom>
-          <a:noFill/>
-        </p:spPr>
-        <p:txBody>
-          <a:bodyPr wrap="square" rtlCol="0">
-            <a:spAutoFit/>
-          </a:bodyPr>
-          <a:lstStyle/>
-          <a:p>
-            <a:r>
-              <a:rPr lang="en-US" dirty="0"/>
-              <a:t>Algorithms results</a:t>
-            </a:r>
-            <a:endParaRPr lang="en-IL" dirty="0"/>
-          </a:p>
-        </p:txBody>
-      </p:sp>
-      <p:sp>
-        <p:nvSpPr>
-          <p:cNvPr id="2" name="TextBox 1">
-            <a:extLst>
-              <a:ext uri="{FF2B5EF4-FFF2-40B4-BE49-F238E27FC236}">
-                <a16:creationId xmlns:a16="http://schemas.microsoft.com/office/drawing/2014/main" id="{830EC098-37FA-3B74-B462-EC7662FB96F1}"/>
-              </a:ext>
-            </a:extLst>
-          </p:cNvPr>
-          <p:cNvSpPr txBox="1"/>
-          <p:nvPr/>
-        </p:nvSpPr>
-        <p:spPr>
-          <a:xfrm>
-            <a:off x="4314548" y="656948"/>
+            <a:off x="5604086" y="4912425"/>
             <a:ext cx="5761607" cy="923330"/>
           </a:xfrm>
           <a:prstGeom prst="rect">
@@ -4218,10 +4344,10 @@
       </p:sp>
       <p:sp>
         <p:nvSpPr>
-          <p:cNvPr id="3" name="TextBox 2">
-            <a:extLst>
-              <a:ext uri="{FF2B5EF4-FFF2-40B4-BE49-F238E27FC236}">
-                <a16:creationId xmlns:a16="http://schemas.microsoft.com/office/drawing/2014/main" id="{464D391C-B481-51C3-6B06-0C52546B8915}"/>
+          <p:cNvPr id="5" name="TextBox 4">
+            <a:extLst>
+              <a:ext uri="{FF2B5EF4-FFF2-40B4-BE49-F238E27FC236}">
+                <a16:creationId xmlns:a16="http://schemas.microsoft.com/office/drawing/2014/main" id="{C94C7F6B-E497-A382-EB13-236AE1359F11}"/>
               </a:ext>
             </a:extLst>
           </p:cNvPr>
@@ -4230,8 +4356,8 @@
         </p:nvSpPr>
         <p:spPr>
           <a:xfrm>
-            <a:off x="2032986" y="3773010"/>
-            <a:ext cx="3657600" cy="646331"/>
+            <a:off x="3001108" y="926123"/>
+            <a:ext cx="6662401" cy="369332"/>
           </a:xfrm>
           <a:prstGeom prst="rect">
             <a:avLst/>
@@ -4239,16 +4365,15 @@
           <a:noFill/>
         </p:spPr>
         <p:txBody>
-          <a:bodyPr wrap="square" rtlCol="0">
+          <a:bodyPr wrap="none" rtlCol="1">
             <a:spAutoFit/>
           </a:bodyPr>
           <a:lstStyle/>
           <a:p>
             <a:r>
               <a:rPr lang="he-IL" dirty="0"/>
-              <a:t>לבדוק שכל מה ששמנו נכון (מבחינת טריין וטסט)</a:t>
-            </a:r>
-            <a:endParaRPr lang="en-IL" dirty="0"/>
+              <a:t>השוואה בין הרצות לפני ואחרי ניקוי של הדאטה, בשני המקרים כולל נרמול</a:t>
+            </a:r>
           </a:p>
         </p:txBody>
       </p:sp>

--- a/ML Final Project.pptx
+++ b/ML Final Project.pptx
@@ -13,6 +13,7 @@
     <p:sldId id="257" r:id="rId7"/>
     <p:sldId id="258" r:id="rId8"/>
     <p:sldId id="259" r:id="rId9"/>
+    <p:sldId id="265" r:id="rId10"/>
   </p:sldIdLst>
   <p:sldSz cx="12192000" cy="6858000"/>
   <p:notesSz cx="6858000" cy="9144000"/>
@@ -268,7 +269,7 @@
           <a:p>
             <a:fld id="{61174080-B380-4958-8C86-8BA6CC5E10A7}" type="datetimeFigureOut">
               <a:rPr lang="en-IL" smtClean="0"/>
-              <a:t>04/10/2023</a:t>
+              <a:t>04/13/2023</a:t>
             </a:fld>
             <a:endParaRPr lang="en-IL"/>
           </a:p>
@@ -468,7 +469,7 @@
           <a:p>
             <a:fld id="{61174080-B380-4958-8C86-8BA6CC5E10A7}" type="datetimeFigureOut">
               <a:rPr lang="en-IL" smtClean="0"/>
-              <a:t>04/10/2023</a:t>
+              <a:t>04/13/2023</a:t>
             </a:fld>
             <a:endParaRPr lang="en-IL"/>
           </a:p>
@@ -678,7 +679,7 @@
           <a:p>
             <a:fld id="{61174080-B380-4958-8C86-8BA6CC5E10A7}" type="datetimeFigureOut">
               <a:rPr lang="en-IL" smtClean="0"/>
-              <a:t>04/10/2023</a:t>
+              <a:t>04/13/2023</a:t>
             </a:fld>
             <a:endParaRPr lang="en-IL"/>
           </a:p>
@@ -878,7 +879,7 @@
           <a:p>
             <a:fld id="{61174080-B380-4958-8C86-8BA6CC5E10A7}" type="datetimeFigureOut">
               <a:rPr lang="en-IL" smtClean="0"/>
-              <a:t>04/10/2023</a:t>
+              <a:t>04/13/2023</a:t>
             </a:fld>
             <a:endParaRPr lang="en-IL"/>
           </a:p>
@@ -1154,7 +1155,7 @@
           <a:p>
             <a:fld id="{61174080-B380-4958-8C86-8BA6CC5E10A7}" type="datetimeFigureOut">
               <a:rPr lang="en-IL" smtClean="0"/>
-              <a:t>04/10/2023</a:t>
+              <a:t>04/13/2023</a:t>
             </a:fld>
             <a:endParaRPr lang="en-IL"/>
           </a:p>
@@ -1422,7 +1423,7 @@
           <a:p>
             <a:fld id="{61174080-B380-4958-8C86-8BA6CC5E10A7}" type="datetimeFigureOut">
               <a:rPr lang="en-IL" smtClean="0"/>
-              <a:t>04/10/2023</a:t>
+              <a:t>04/13/2023</a:t>
             </a:fld>
             <a:endParaRPr lang="en-IL"/>
           </a:p>
@@ -1837,7 +1838,7 @@
           <a:p>
             <a:fld id="{61174080-B380-4958-8C86-8BA6CC5E10A7}" type="datetimeFigureOut">
               <a:rPr lang="en-IL" smtClean="0"/>
-              <a:t>04/10/2023</a:t>
+              <a:t>04/13/2023</a:t>
             </a:fld>
             <a:endParaRPr lang="en-IL"/>
           </a:p>
@@ -1979,7 +1980,7 @@
           <a:p>
             <a:fld id="{61174080-B380-4958-8C86-8BA6CC5E10A7}" type="datetimeFigureOut">
               <a:rPr lang="en-IL" smtClean="0"/>
-              <a:t>04/10/2023</a:t>
+              <a:t>04/13/2023</a:t>
             </a:fld>
             <a:endParaRPr lang="en-IL"/>
           </a:p>
@@ -2092,7 +2093,7 @@
           <a:p>
             <a:fld id="{61174080-B380-4958-8C86-8BA6CC5E10A7}" type="datetimeFigureOut">
               <a:rPr lang="en-IL" smtClean="0"/>
-              <a:t>04/10/2023</a:t>
+              <a:t>04/13/2023</a:t>
             </a:fld>
             <a:endParaRPr lang="en-IL"/>
           </a:p>
@@ -2405,7 +2406,7 @@
           <a:p>
             <a:fld id="{61174080-B380-4958-8C86-8BA6CC5E10A7}" type="datetimeFigureOut">
               <a:rPr lang="en-IL" smtClean="0"/>
-              <a:t>04/10/2023</a:t>
+              <a:t>04/13/2023</a:t>
             </a:fld>
             <a:endParaRPr lang="en-IL"/>
           </a:p>
@@ -2694,7 +2695,7 @@
           <a:p>
             <a:fld id="{61174080-B380-4958-8C86-8BA6CC5E10A7}" type="datetimeFigureOut">
               <a:rPr lang="en-IL" smtClean="0"/>
-              <a:t>04/10/2023</a:t>
+              <a:t>04/13/2023</a:t>
             </a:fld>
             <a:endParaRPr lang="en-IL"/>
           </a:p>
@@ -2937,7 +2938,7 @@
           <a:p>
             <a:fld id="{61174080-B380-4958-8C86-8BA6CC5E10A7}" type="datetimeFigureOut">
               <a:rPr lang="en-IL" smtClean="0"/>
-              <a:t>04/10/2023</a:t>
+              <a:t>04/13/2023</a:t>
             </a:fld>
             <a:endParaRPr lang="en-IL"/>
           </a:p>
@@ -4280,10 +4281,10 @@
       </p:grpSpPr>
       <p:sp>
         <p:nvSpPr>
-          <p:cNvPr id="2" name="TextBox 1">
-            <a:extLst>
-              <a:ext uri="{FF2B5EF4-FFF2-40B4-BE49-F238E27FC236}">
-                <a16:creationId xmlns:a16="http://schemas.microsoft.com/office/drawing/2014/main" id="{830EC098-37FA-3B74-B462-EC7662FB96F1}"/>
+          <p:cNvPr id="3" name="TextBox 2">
+            <a:extLst>
+              <a:ext uri="{FF2B5EF4-FFF2-40B4-BE49-F238E27FC236}">
+                <a16:creationId xmlns:a16="http://schemas.microsoft.com/office/drawing/2014/main" id="{746E6E9D-326F-73DA-BE84-C1EBF2F3CABB}"/>
               </a:ext>
             </a:extLst>
           </p:cNvPr>
@@ -4292,8 +4293,8 @@
         </p:nvSpPr>
         <p:spPr>
           <a:xfrm>
-            <a:off x="5604086" y="4912425"/>
-            <a:ext cx="5761607" cy="923330"/>
+            <a:off x="4323380" y="270389"/>
+            <a:ext cx="3545240" cy="369332"/>
           </a:xfrm>
           <a:prstGeom prst="rect">
             <a:avLst/>
@@ -4301,53 +4302,24 @@
           <a:noFill/>
         </p:spPr>
         <p:txBody>
-          <a:bodyPr wrap="square" rtlCol="0">
+          <a:bodyPr wrap="square">
             <a:spAutoFit/>
           </a:bodyPr>
           <a:lstStyle/>
           <a:p>
-            <a:pPr marL="342900" indent="-342900">
-              <a:buAutoNum type="arabicPeriod"/>
-            </a:pPr>
-            <a:r>
-              <a:rPr lang="en-US" dirty="0"/>
-              <a:t>We didn’t use k-means because it’s an unsupervised </a:t>
-            </a:r>
-          </a:p>
-          <a:p>
-            <a:pPr marL="342900" indent="-342900">
-              <a:buAutoNum type="arabicPeriod"/>
-            </a:pPr>
-            <a:r>
-              <a:rPr lang="en-US" dirty="0"/>
-              <a:t>We used </a:t>
-            </a:r>
-            <a:r>
-              <a:rPr lang="en-US" dirty="0" err="1"/>
-              <a:t>MLPClassifier</a:t>
-            </a:r>
-            <a:r>
-              <a:rPr lang="en-US" dirty="0"/>
-              <a:t> in neural network and not </a:t>
-            </a:r>
-            <a:r>
-              <a:rPr lang="en-US" dirty="0" err="1"/>
-              <a:t>MLPRegressor</a:t>
-            </a:r>
-            <a:r>
-              <a:rPr lang="en-US" dirty="0"/>
-              <a:t> because it’s a classification problem</a:t>
-            </a:r>
-            <a:endParaRPr lang="en-IL" dirty="0"/>
-          </a:p>
-        </p:txBody>
-      </p:sp>
-      <p:sp>
-        <p:nvSpPr>
-          <p:cNvPr id="5" name="TextBox 4">
-            <a:extLst>
-              <a:ext uri="{FF2B5EF4-FFF2-40B4-BE49-F238E27FC236}">
-                <a16:creationId xmlns:a16="http://schemas.microsoft.com/office/drawing/2014/main" id="{C94C7F6B-E497-A382-EB13-236AE1359F11}"/>
+            <a:r>
+              <a:rPr lang="en-US" u="sng" dirty="0"/>
+              <a:t>Results: Before VS After the cleanup</a:t>
+            </a:r>
+          </a:p>
+        </p:txBody>
+      </p:sp>
+      <p:sp>
+        <p:nvSpPr>
+          <p:cNvPr id="4" name="TextBox 3">
+            <a:extLst>
+              <a:ext uri="{FF2B5EF4-FFF2-40B4-BE49-F238E27FC236}">
+                <a16:creationId xmlns:a16="http://schemas.microsoft.com/office/drawing/2014/main" id="{F49DA854-5F99-DB48-CF3B-E98136149C41}"/>
               </a:ext>
             </a:extLst>
           </p:cNvPr>
@@ -4356,8 +4328,8 @@
         </p:nvSpPr>
         <p:spPr>
           <a:xfrm>
-            <a:off x="3001108" y="926123"/>
-            <a:ext cx="6662401" cy="369332"/>
+            <a:off x="1319048" y="639721"/>
+            <a:ext cx="9553903" cy="461665"/>
           </a:xfrm>
           <a:prstGeom prst="rect">
             <a:avLst/>
@@ -4365,15 +4337,41 @@
           <a:noFill/>
         </p:spPr>
         <p:txBody>
-          <a:bodyPr wrap="none" rtlCol="1">
+          <a:bodyPr wrap="square" rtlCol="1">
             <a:spAutoFit/>
           </a:bodyPr>
           <a:lstStyle/>
           <a:p>
-            <a:r>
-              <a:rPr lang="he-IL" dirty="0"/>
-              <a:t>השוואה בין הרצות לפני ואחרי ניקוי של הדאטה, בשני המקרים כולל נרמול</a:t>
-            </a:r>
+            <a:pPr algn="r" rtl="1"/>
+            <a:r>
+              <a:rPr lang="he-IL" sz="1200" dirty="0"/>
+              <a:t>חשוב לציין שבכל ההרצות – לפני הניקוי, אחריו, ולאחר השיפורים, בוצעה חלוקה של הדאטה ל </a:t>
+            </a:r>
+            <a:r>
+              <a:rPr lang="en-US" sz="1200" dirty="0"/>
+              <a:t>Train</a:t>
+            </a:r>
+            <a:r>
+              <a:rPr lang="he-IL" sz="1200" dirty="0"/>
+              <a:t> ו </a:t>
+            </a:r>
+            <a:r>
+              <a:rPr lang="en-US" sz="1200" dirty="0"/>
+              <a:t>Test</a:t>
+            </a:r>
+            <a:r>
+              <a:rPr lang="he-IL" sz="1200" dirty="0"/>
+              <a:t>. בנוסף, החלוקה וכל חלק באלגוריתמים המערב אלמנטים רנדומליים, נעשו בעזרת </a:t>
+            </a:r>
+            <a:r>
+              <a:rPr lang="en-US" sz="1200" dirty="0"/>
+              <a:t>Random Seed</a:t>
+            </a:r>
+            <a:r>
+              <a:rPr lang="he-IL" sz="1200" dirty="0"/>
+              <a:t> שמבטיח שהתוצאות יחזרו על עצמן במדויק בכל שלב וזאת על מנת לאפשר מעקב אמין אחרי התוצאות.</a:t>
+            </a:r>
+            <a:endParaRPr lang="he-IL" dirty="0"/>
           </a:p>
         </p:txBody>
       </p:sp>
@@ -4460,7 +4458,7 @@
         <p:spPr>
           <a:xfrm>
             <a:off x="3343922" y="3195962"/>
-            <a:ext cx="2752078" cy="1754326"/>
+            <a:ext cx="2752078" cy="1200329"/>
           </a:xfrm>
           <a:prstGeom prst="rect">
             <a:avLst/>
@@ -4477,13 +4475,6 @@
               <a:rPr lang="he-IL" dirty="0"/>
               <a:t>להוריד עמודות לא רלוונטיות – לפי הממוצע, כלומר אם יש יותר מ75 אחוז למשל אז להוריד את העמודה</a:t>
             </a:r>
-          </a:p>
-          <a:p>
-            <a:r>
-              <a:rPr lang="he-IL" dirty="0"/>
-              <a:t>להוריד עמודה של הריונות – מוטה?</a:t>
-            </a:r>
-            <a:endParaRPr lang="en-IL" dirty="0"/>
           </a:p>
         </p:txBody>
       </p:sp>
@@ -4566,10 +4557,10 @@
       </p:grpSpPr>
       <p:sp>
         <p:nvSpPr>
-          <p:cNvPr id="4" name="TextBox 3">
-            <a:extLst>
-              <a:ext uri="{FF2B5EF4-FFF2-40B4-BE49-F238E27FC236}">
-                <a16:creationId xmlns:a16="http://schemas.microsoft.com/office/drawing/2014/main" id="{3B1C56D7-4BC8-DD0C-FDDD-3FF4E72F2502}"/>
+          <p:cNvPr id="2" name="TextBox 1">
+            <a:extLst>
+              <a:ext uri="{FF2B5EF4-FFF2-40B4-BE49-F238E27FC236}">
+                <a16:creationId xmlns:a16="http://schemas.microsoft.com/office/drawing/2014/main" id="{FD467456-CCB8-3186-5FEA-B03968F8A5C2}"/>
               </a:ext>
             </a:extLst>
           </p:cNvPr>
@@ -4578,8 +4569,8 @@
         </p:nvSpPr>
         <p:spPr>
           <a:xfrm>
-            <a:off x="2457450" y="1752600"/>
-            <a:ext cx="5191125" cy="369332"/>
+            <a:off x="4047887" y="297235"/>
+            <a:ext cx="4096225" cy="369332"/>
           </a:xfrm>
           <a:prstGeom prst="rect">
             <a:avLst/>
@@ -4587,18 +4578,76 @@
           <a:noFill/>
         </p:spPr>
         <p:txBody>
-          <a:bodyPr wrap="square" rtlCol="0">
+          <a:bodyPr wrap="square">
             <a:spAutoFit/>
           </a:bodyPr>
           <a:lstStyle/>
           <a:p>
             <a:r>
-              <a:rPr lang="en-US" sz="1800" b="0" i="0" u="none" strike="noStrike" baseline="0" dirty="0">
-                <a:latin typeface="CIDFont+F4"/>
-              </a:rPr>
-              <a:t>re-running the algorithm</a:t>
-            </a:r>
-            <a:endParaRPr lang="en-IL" dirty="0"/>
+              <a:rPr lang="en-US" u="sng" dirty="0"/>
+              <a:t>The importance of TP in medical diagnosis</a:t>
+            </a:r>
+          </a:p>
+        </p:txBody>
+      </p:sp>
+      <p:sp>
+        <p:nvSpPr>
+          <p:cNvPr id="3" name="TextBox 2">
+            <a:extLst>
+              <a:ext uri="{FF2B5EF4-FFF2-40B4-BE49-F238E27FC236}">
+                <a16:creationId xmlns:a16="http://schemas.microsoft.com/office/drawing/2014/main" id="{8C25E11C-71EE-5B6A-6212-DA6D818762E9}"/>
+              </a:ext>
+            </a:extLst>
+          </p:cNvPr>
+          <p:cNvSpPr txBox="1"/>
+          <p:nvPr/>
+        </p:nvSpPr>
+        <p:spPr>
+          <a:xfrm>
+            <a:off x="1437815" y="716173"/>
+            <a:ext cx="9553903" cy="646331"/>
+          </a:xfrm>
+          <a:prstGeom prst="rect">
+            <a:avLst/>
+          </a:prstGeom>
+          <a:noFill/>
+        </p:spPr>
+        <p:txBody>
+          <a:bodyPr wrap="square" rtlCol="1">
+            <a:spAutoFit/>
+          </a:bodyPr>
+          <a:lstStyle/>
+          <a:p>
+            <a:pPr algn="r" rtl="1"/>
+            <a:r>
+              <a:rPr lang="he-IL" sz="1200" dirty="0"/>
+              <a:t>כמו שלמדנו, כשבאים לבחור את האלגוריתם המוצלח ביותר ישנם כמה מדדים להשוואה. במקרה שלנו, מכיוון שמדובר באבחון של בעיה רפואית, נרצה למקסם את שיעור ה </a:t>
+            </a:r>
+            <a:r>
+              <a:rPr lang="en-US" sz="1200" dirty="0"/>
+              <a:t>TP – True Positive</a:t>
+            </a:r>
+            <a:r>
+              <a:rPr lang="he-IL" sz="1200" dirty="0"/>
+              <a:t> (שקול למזעור ה </a:t>
+            </a:r>
+            <a:r>
+              <a:rPr lang="en-US" sz="1200" dirty="0"/>
+              <a:t>FN – False Negative</a:t>
+            </a:r>
+            <a:r>
+              <a:rPr lang="he-IL" sz="1200" dirty="0"/>
+              <a:t>), אפילו במחיר של שיעור </a:t>
+            </a:r>
+            <a:r>
+              <a:rPr lang="en-US" sz="1200" dirty="0"/>
+              <a:t>FP</a:t>
+            </a:r>
+            <a:r>
+              <a:rPr lang="he-IL" sz="1200" dirty="0"/>
+              <a:t> גבוה יותר. בצורה זו נוכל להבטיח אבחון מוקדם ובכך למנוע סיבוכים עתידיים של המחלה.</a:t>
+            </a:r>
+            <a:endParaRPr lang="he-IL" dirty="0"/>
           </a:p>
         </p:txBody>
       </p:sp>
@@ -4606,6 +4655,100 @@
     <p:extLst>
       <p:ext uri="{BB962C8B-B14F-4D97-AF65-F5344CB8AC3E}">
         <p14:creationId xmlns:p14="http://schemas.microsoft.com/office/powerpoint/2010/main" val="1234677311"/>
+      </p:ext>
+    </p:extLst>
+  </p:cSld>
+  <p:clrMapOvr>
+    <a:masterClrMapping/>
+  </p:clrMapOvr>
+</p:sld>
+</file>
+
+<file path=ppt/slides/slide9.xml><?xml version="1.0" encoding="utf-8"?>
+<p:sld xmlns:a="http://schemas.openxmlformats.org/drawingml/2006/main" xmlns:r="http://schemas.openxmlformats.org/officeDocument/2006/relationships" xmlns:p="http://schemas.openxmlformats.org/presentationml/2006/main">
+  <p:cSld>
+    <p:spTree>
+      <p:nvGrpSpPr>
+        <p:cNvPr id="1" name=""/>
+        <p:cNvGrpSpPr/>
+        <p:nvPr/>
+      </p:nvGrpSpPr>
+      <p:grpSpPr>
+        <a:xfrm>
+          <a:off x="0" y="0"/>
+          <a:ext cx="0" cy="0"/>
+          <a:chOff x="0" y="0"/>
+          <a:chExt cx="0" cy="0"/>
+        </a:xfrm>
+      </p:grpSpPr>
+      <p:sp>
+        <p:nvSpPr>
+          <p:cNvPr id="2" name="TextBox 1">
+            <a:extLst>
+              <a:ext uri="{FF2B5EF4-FFF2-40B4-BE49-F238E27FC236}">
+                <a16:creationId xmlns:a16="http://schemas.microsoft.com/office/drawing/2014/main" id="{47F34E99-5E98-3B62-7D8C-BAD4A929DD1E}"/>
+              </a:ext>
+            </a:extLst>
+          </p:cNvPr>
+          <p:cNvSpPr txBox="1"/>
+          <p:nvPr/>
+        </p:nvSpPr>
+        <p:spPr>
+          <a:xfrm>
+            <a:off x="5604086" y="4912425"/>
+            <a:ext cx="5761607" cy="923330"/>
+          </a:xfrm>
+          <a:prstGeom prst="rect">
+            <a:avLst/>
+          </a:prstGeom>
+          <a:noFill/>
+        </p:spPr>
+        <p:txBody>
+          <a:bodyPr wrap="square" rtlCol="0">
+            <a:spAutoFit/>
+          </a:bodyPr>
+          <a:lstStyle/>
+          <a:p>
+            <a:pPr marL="342900" indent="-342900">
+              <a:buAutoNum type="arabicPeriod"/>
+            </a:pPr>
+            <a:r>
+              <a:rPr lang="en-US" dirty="0"/>
+              <a:t>We didn’t use k-means because it’s an unsupervised </a:t>
+            </a:r>
+          </a:p>
+          <a:p>
+            <a:pPr marL="342900" indent="-342900">
+              <a:buAutoNum type="arabicPeriod"/>
+            </a:pPr>
+            <a:r>
+              <a:rPr lang="en-US" dirty="0"/>
+              <a:t>We used </a:t>
+            </a:r>
+            <a:r>
+              <a:rPr lang="en-US" dirty="0" err="1"/>
+              <a:t>MLPClassifier</a:t>
+            </a:r>
+            <a:r>
+              <a:rPr lang="en-US" dirty="0"/>
+              <a:t> in neural network and not </a:t>
+            </a:r>
+            <a:r>
+              <a:rPr lang="en-US" dirty="0" err="1"/>
+              <a:t>MLPRegressor</a:t>
+            </a:r>
+            <a:r>
+              <a:rPr lang="en-US" dirty="0"/>
+              <a:t> because it’s a classification problem</a:t>
+            </a:r>
+            <a:endParaRPr lang="en-IL" dirty="0"/>
+          </a:p>
+        </p:txBody>
+      </p:sp>
+    </p:spTree>
+    <p:extLst>
+      <p:ext uri="{BB962C8B-B14F-4D97-AF65-F5344CB8AC3E}">
+        <p14:creationId xmlns:p14="http://schemas.microsoft.com/office/powerpoint/2010/main" val="3720044401"/>
       </p:ext>
     </p:extLst>
   </p:cSld>

--- a/ML Final Project.pptx
+++ b/ML Final Project.pptx
@@ -4001,7 +4001,7 @@
         <p:spPr>
           <a:xfrm>
             <a:off x="1437815" y="716173"/>
-            <a:ext cx="9553903" cy="1107996"/>
+            <a:ext cx="9553903" cy="923330"/>
           </a:xfrm>
           <a:prstGeom prst="rect">
             <a:avLst/>
@@ -4025,26 +4025,11 @@
             </a:r>
             <a:r>
               <a:rPr lang="he-IL" sz="1200" dirty="0"/>
-              <a:t> ניתן לראות כמה הפיצ'רים השונים תלויים אחד בשני. כמו שניתן היה לצפות, הפיצ'ר בעל הקשר הכי חזק לתוצאה הוא רמת הגלוקוז בדם, שאכן משמש כמדד העיקרי לקיום סכרת ומצבה. </a:t>
-            </a:r>
-            <a:r>
-              <a:rPr lang="he-IL" sz="1200" dirty="0">
-                <a:solidFill>
-                  <a:srgbClr val="FF0000"/>
-                </a:solidFill>
-              </a:rPr>
-              <a:t>ניסיתי לשחק קצת בשאר הקשרים שיש בין הפיצ'רים – למשל להוריד את הפיצ'רים עם הקשר החלש לתוצאה ולראות אם משתפרים (לא, אבל גם לא פוגעים מהותית בתוצאה, אז אולי שווה לציין כי זה יכול לחסוך זמן) או לרוץ רק עם גלוקוז (לא טוב)</a:t>
-            </a:r>
-          </a:p>
-          <a:p>
-            <a:pPr algn="r" rtl="1"/>
-            <a:r>
-              <a:rPr lang="he-IL" sz="1200" dirty="0">
-                <a:solidFill>
-                  <a:srgbClr val="FF0000"/>
-                </a:solidFill>
-              </a:rPr>
-              <a:t>אפשר גם לנסות לרוץ בלי אינסולין כי הוא גם ככה קשור חזק לגלוקוז.</a:t>
+              <a:t> ניתן לראות כמה הפיצ'רים השונים תלויים אחד בשני. כמו שניתן היה לצפות, הפיצ'ר בעל הקשר הכי חזק לתוצאה הוא רמת הגלוקוז בדם, שאכן משמש כמדד העיקרי לקיום סכרת ומצבה. ניתן לראות שאין קשרים חזקים בין הפיצ'רים השונים, ולכן כמו שאפשר היה לצפות כשניסנו להוריד פיצ'רים </a:t>
+            </a:r>
+            <a:r>
+              <a:rPr lang="he-IL" sz="1200"/>
+              <a:t>הביצועים נפגעו.</a:t>
             </a:r>
             <a:endParaRPr lang="he-IL" sz="1200" dirty="0"/>
           </a:p>
